--- a/Presentation and submission/PADM_00170500.pptx
+++ b/Presentation and submission/PADM_00170500.pptx
@@ -6,7 +6,7 @@
     <p:sldMasterId id="2147483668" r:id="rId6"/>
   </p:sldMasterIdLst>
   <p:notesMasterIdLst>
-    <p:notesMasterId r:id="rId22"/>
+    <p:notesMasterId r:id="rId24"/>
   </p:notesMasterIdLst>
   <p:sldIdLst>
     <p:sldId id="270" r:id="rId7"/>
@@ -15,15 +15,17 @@
     <p:sldId id="275" r:id="rId10"/>
     <p:sldId id="272" r:id="rId11"/>
     <p:sldId id="276" r:id="rId12"/>
-    <p:sldId id="280" r:id="rId13"/>
-    <p:sldId id="284" r:id="rId14"/>
-    <p:sldId id="279" r:id="rId15"/>
-    <p:sldId id="281" r:id="rId16"/>
-    <p:sldId id="282" r:id="rId17"/>
-    <p:sldId id="285" r:id="rId18"/>
-    <p:sldId id="274" r:id="rId19"/>
-    <p:sldId id="283" r:id="rId20"/>
-    <p:sldId id="286" r:id="rId21"/>
+    <p:sldId id="287" r:id="rId13"/>
+    <p:sldId id="280" r:id="rId14"/>
+    <p:sldId id="284" r:id="rId15"/>
+    <p:sldId id="279" r:id="rId16"/>
+    <p:sldId id="288" r:id="rId17"/>
+    <p:sldId id="281" r:id="rId18"/>
+    <p:sldId id="282" r:id="rId19"/>
+    <p:sldId id="285" r:id="rId20"/>
+    <p:sldId id="274" r:id="rId21"/>
+    <p:sldId id="283" r:id="rId22"/>
+    <p:sldId id="286" r:id="rId23"/>
   </p:sldIdLst>
   <p:sldSz cx="12192000" cy="6858000"/>
   <p:notesSz cx="6858000" cy="9144000"/>
@@ -226,7 +228,7 @@
           <a:p>
             <a:fld id="{8A39E342-F6A9-4F29-9B27-B9C233E73F2C}" type="datetimeFigureOut">
               <a:rPr lang="de-DE" smtClean="0"/>
-              <a:t>17.07.2025</a:t>
+              <a:t>21.07.2025</a:t>
             </a:fld>
             <a:endParaRPr lang="de-DE"/>
           </a:p>
@@ -6306,13 +6308,13 @@
   <p:clrMapOvr>
     <a:masterClrMapping/>
   </p:clrMapOvr>
-  <mc:AlternateContent xmlns:mc="http://schemas.openxmlformats.org/markup-compatibility/2006">
-    <mc:Choice xmlns:p14="http://schemas.microsoft.com/office/powerpoint/2010/main" Requires="p14">
+  <mc:AlternateContent xmlns:mc="http://schemas.openxmlformats.org/markup-compatibility/2006" xmlns:p14="http://schemas.microsoft.com/office/powerpoint/2010/main">
+    <mc:Choice Requires="p14">
       <p:transition spd="med" p14:dur="700">
         <p:fade/>
       </p:transition>
     </mc:Choice>
-    <mc:Fallback>
+    <mc:Fallback xmlns="">
       <p:transition spd="med">
         <p:fade/>
       </p:transition>
@@ -6322,6 +6324,780 @@
 </file>
 
 <file path=ppt/slides/slide10.xml><?xml version="1.0" encoding="utf-8"?>
+<p:sld xmlns:a="http://schemas.openxmlformats.org/drawingml/2006/main" xmlns:r="http://schemas.openxmlformats.org/officeDocument/2006/relationships" xmlns:p="http://schemas.openxmlformats.org/presentationml/2006/main">
+  <p:cSld>
+    <p:spTree>
+      <p:nvGrpSpPr>
+        <p:cNvPr id="1" name="">
+          <a:extLst>
+            <a:ext uri="{FF2B5EF4-FFF2-40B4-BE49-F238E27FC236}">
+              <a16:creationId xmlns:a16="http://schemas.microsoft.com/office/drawing/2014/main" id="{5FC5FC67-7F02-B746-313C-59F89D11DDAE}"/>
+            </a:ext>
+          </a:extLst>
+        </p:cNvPr>
+        <p:cNvGrpSpPr/>
+        <p:nvPr/>
+      </p:nvGrpSpPr>
+      <p:grpSpPr>
+        <a:xfrm>
+          <a:off x="0" y="0"/>
+          <a:ext cx="0" cy="0"/>
+          <a:chOff x="0" y="0"/>
+          <a:chExt cx="0" cy="0"/>
+        </a:xfrm>
+      </p:grpSpPr>
+      <p:sp>
+        <p:nvSpPr>
+          <p:cNvPr id="2" name="Text Placeholder 1">
+            <a:extLst>
+              <a:ext uri="{FF2B5EF4-FFF2-40B4-BE49-F238E27FC236}">
+                <a16:creationId xmlns:a16="http://schemas.microsoft.com/office/drawing/2014/main" id="{C95F50D4-E6B6-10F0-1113-86A34CE977D3}"/>
+              </a:ext>
+            </a:extLst>
+          </p:cNvPr>
+          <p:cNvSpPr>
+            <a:spLocks noGrp="1"/>
+          </p:cNvSpPr>
+          <p:nvPr>
+            <p:ph type="body" sz="quarter" idx="15"/>
+          </p:nvPr>
+        </p:nvSpPr>
+        <p:spPr>
+          <a:xfrm>
+            <a:off x="408971" y="1358029"/>
+            <a:ext cx="3707315" cy="4917063"/>
+          </a:xfrm>
+        </p:spPr>
+        <p:txBody>
+          <a:bodyPr/>
+          <a:lstStyle/>
+          <a:p>
+            <a:r>
+              <a:rPr lang="en-US" sz="1400" dirty="0"/>
+              <a:t>Final Reward Structure:</a:t>
+            </a:r>
+          </a:p>
+          <a:p>
+            <a:r>
+              <a:rPr lang="en-US" sz="1400" dirty="0">
+                <a:solidFill>
+                  <a:schemeClr val="tx2"/>
+                </a:solidFill>
+              </a:rPr>
+              <a:t>Reward = 0</a:t>
+            </a:r>
+          </a:p>
+          <a:p>
+            <a:r>
+              <a:rPr lang="en-US" sz="1400" dirty="0">
+                <a:solidFill>
+                  <a:schemeClr val="tx2"/>
+                </a:solidFill>
+              </a:rPr>
+              <a:t>Step = 0</a:t>
+            </a:r>
+          </a:p>
+          <a:p>
+            <a:r>
+              <a:rPr lang="en-US" sz="1400" dirty="0">
+                <a:solidFill>
+                  <a:schemeClr val="tx2"/>
+                </a:solidFill>
+              </a:rPr>
+              <a:t>For each step:</a:t>
+            </a:r>
+          </a:p>
+          <a:p>
+            <a:r>
+              <a:rPr lang="en-US" sz="1400" dirty="0">
+                <a:solidFill>
+                  <a:schemeClr val="tx2"/>
+                </a:solidFill>
+              </a:rPr>
+              <a:t>	Calculate Old Distance from Goal</a:t>
+            </a:r>
+          </a:p>
+          <a:p>
+            <a:r>
+              <a:rPr lang="en-US" sz="1400" dirty="0">
+                <a:solidFill>
+                  <a:schemeClr val="tx2"/>
+                </a:solidFill>
+              </a:rPr>
+              <a:t>	Step++</a:t>
+            </a:r>
+          </a:p>
+          <a:p>
+            <a:r>
+              <a:rPr lang="en-US" sz="1400" dirty="0">
+                <a:solidFill>
+                  <a:schemeClr val="tx2"/>
+                </a:solidFill>
+              </a:rPr>
+              <a:t>	Calculate New Distance from Goal</a:t>
+            </a:r>
+          </a:p>
+          <a:p>
+            <a:r>
+              <a:rPr lang="en-US" sz="1400" dirty="0">
+                <a:solidFill>
+                  <a:schemeClr val="tx2"/>
+                </a:solidFill>
+              </a:rPr>
+              <a:t>	 Old Distance &gt; New Distance: </a:t>
+            </a:r>
+          </a:p>
+          <a:p>
+            <a:r>
+              <a:rPr lang="en-US" sz="1400" dirty="0">
+                <a:solidFill>
+                  <a:schemeClr val="tx2"/>
+                </a:solidFill>
+              </a:rPr>
+              <a:t>		bonus = 0.1</a:t>
+            </a:r>
+          </a:p>
+          <a:p>
+            <a:r>
+              <a:rPr lang="en-US" sz="1400" dirty="0">
+                <a:solidFill>
+                  <a:schemeClr val="tx2"/>
+                </a:solidFill>
+              </a:rPr>
+              <a:t>	 Old Distance &lt; New Distance: </a:t>
+            </a:r>
+          </a:p>
+          <a:p>
+            <a:r>
+              <a:rPr lang="en-US" sz="1400" dirty="0">
+                <a:solidFill>
+                  <a:schemeClr val="tx2"/>
+                </a:solidFill>
+              </a:rPr>
+              <a:t>		 bonus = -0.2</a:t>
+            </a:r>
+          </a:p>
+          <a:p>
+            <a:r>
+              <a:rPr lang="en-US" sz="1400" dirty="0">
+                <a:solidFill>
+                  <a:schemeClr val="tx2"/>
+                </a:solidFill>
+              </a:rPr>
+              <a:t>	 Old Distance == New Distance: </a:t>
+            </a:r>
+          </a:p>
+          <a:p>
+            <a:r>
+              <a:rPr lang="en-US" sz="1400" dirty="0">
+                <a:solidFill>
+                  <a:schemeClr val="tx2"/>
+                </a:solidFill>
+              </a:rPr>
+              <a:t>		 bonus = 0</a:t>
+            </a:r>
+          </a:p>
+        </p:txBody>
+      </p:sp>
+      <p:sp>
+        <p:nvSpPr>
+          <p:cNvPr id="3" name="Title 2">
+            <a:extLst>
+              <a:ext uri="{FF2B5EF4-FFF2-40B4-BE49-F238E27FC236}">
+                <a16:creationId xmlns:a16="http://schemas.microsoft.com/office/drawing/2014/main" id="{7AAF717E-7054-AE9E-1942-1E3A3D277614}"/>
+              </a:ext>
+            </a:extLst>
+          </p:cNvPr>
+          <p:cNvSpPr>
+            <a:spLocks noGrp="1"/>
+          </p:cNvSpPr>
+          <p:nvPr>
+            <p:ph type="title"/>
+          </p:nvPr>
+        </p:nvSpPr>
+        <p:spPr/>
+        <p:txBody>
+          <a:bodyPr>
+            <a:normAutofit fontScale="90000"/>
+          </a:bodyPr>
+          <a:lstStyle/>
+          <a:p>
+            <a:r>
+              <a:rPr lang="en-US" dirty="0"/>
+              <a:t>Environment Overview</a:t>
+            </a:r>
+          </a:p>
+        </p:txBody>
+      </p:sp>
+      <p:sp>
+        <p:nvSpPr>
+          <p:cNvPr id="4" name="Subtitle 3">
+            <a:extLst>
+              <a:ext uri="{FF2B5EF4-FFF2-40B4-BE49-F238E27FC236}">
+                <a16:creationId xmlns:a16="http://schemas.microsoft.com/office/drawing/2014/main" id="{39006885-9C57-68AF-DA15-D092F49E0F3B}"/>
+              </a:ext>
+            </a:extLst>
+          </p:cNvPr>
+          <p:cNvSpPr>
+            <a:spLocks noGrp="1"/>
+          </p:cNvSpPr>
+          <p:nvPr>
+            <p:ph type="subTitle" idx="1"/>
+          </p:nvPr>
+        </p:nvSpPr>
+        <p:spPr/>
+        <p:txBody>
+          <a:bodyPr/>
+          <a:lstStyle/>
+          <a:p>
+            <a:r>
+              <a:rPr lang="en-US" dirty="0"/>
+              <a:t>Reward Structure (Reshaped - Final)</a:t>
+            </a:r>
+          </a:p>
+        </p:txBody>
+      </p:sp>
+      <p:sp>
+        <p:nvSpPr>
+          <p:cNvPr id="5" name="Slide Number Placeholder 4">
+            <a:extLst>
+              <a:ext uri="{FF2B5EF4-FFF2-40B4-BE49-F238E27FC236}">
+                <a16:creationId xmlns:a16="http://schemas.microsoft.com/office/drawing/2014/main" id="{99BFD3B1-F4F3-3551-7521-068CE55EE596}"/>
+              </a:ext>
+            </a:extLst>
+          </p:cNvPr>
+          <p:cNvSpPr>
+            <a:spLocks noGrp="1"/>
+          </p:cNvSpPr>
+          <p:nvPr>
+            <p:ph type="sldNum" sz="quarter" idx="16"/>
+          </p:nvPr>
+        </p:nvSpPr>
+        <p:spPr/>
+        <p:txBody>
+          <a:bodyPr/>
+          <a:lstStyle/>
+          <a:p>
+            <a:pPr>
+              <a:defRPr/>
+            </a:pPr>
+            <a:fld id="{FBA07125-F287-674A-B4D8-FED3251FDE20}" type="slidenum">
+              <a:rPr lang="de-DE" smtClean="0"/>
+              <a:pPr>
+                <a:defRPr/>
+              </a:pPr>
+              <a:t>10</a:t>
+            </a:fld>
+            <a:endParaRPr lang="de-DE" dirty="0"/>
+          </a:p>
+        </p:txBody>
+      </p:sp>
+      <p:sp>
+        <p:nvSpPr>
+          <p:cNvPr id="6" name="Text Placeholder 1">
+            <a:extLst>
+              <a:ext uri="{FF2B5EF4-FFF2-40B4-BE49-F238E27FC236}">
+                <a16:creationId xmlns:a16="http://schemas.microsoft.com/office/drawing/2014/main" id="{A15BC597-E813-1FAA-AEFB-CB325CBE9C65}"/>
+              </a:ext>
+            </a:extLst>
+          </p:cNvPr>
+          <p:cNvSpPr txBox="1">
+            <a:spLocks/>
+          </p:cNvSpPr>
+          <p:nvPr/>
+        </p:nvSpPr>
+        <p:spPr bwMode="auto">
+          <a:xfrm>
+            <a:off x="4368401" y="1348503"/>
+            <a:ext cx="5356624" cy="4917063"/>
+          </a:xfrm>
+          <a:prstGeom prst="rect">
+            <a:avLst/>
+          </a:prstGeom>
+          <a:noFill/>
+          <a:ln>
+            <a:noFill/>
+          </a:ln>
+          <a:extLst>
+            <a:ext uri="{909E8E84-426E-40dd-AFC4-6F175D3DCCD1}">
+              <a14:hiddenFill xmlns:a14="http://schemas.microsoft.com/office/drawing/2010/main" xmlns="">
+                <a:solidFill>
+                  <a:srgbClr val="FFFFFF"/>
+                </a:solidFill>
+              </a14:hiddenFill>
+            </a:ext>
+            <a:ext uri="{91240B29-F687-4f45-9708-019B960494DF}">
+              <a14:hiddenLine xmlns:a14="http://schemas.microsoft.com/office/drawing/2010/main" xmlns="" w="9525">
+                <a:solidFill>
+                  <a:srgbClr val="000000"/>
+                </a:solidFill>
+                <a:miter lim="800000"/>
+                <a:headEnd/>
+                <a:tailEnd/>
+              </a14:hiddenLine>
+            </a:ext>
+            <a:ext uri="{FAA26D3D-D897-4be2-8F04-BA451C77F1D7}">
+              <ma14:placeholderFlag xmlns:ma14="http://schemas.microsoft.com/office/mac/drawingml/2011/main" xmlns="" val="1"/>
+            </a:ext>
+          </a:extLst>
+        </p:spPr>
+        <p:txBody>
+          <a:bodyPr vert="horz" wrap="square" lIns="0" tIns="0" rIns="0" bIns="0" numCol="1" anchor="t" anchorCtr="0" compatLnSpc="1">
+            <a:prstTxWarp prst="textNoShape">
+              <a:avLst/>
+            </a:prstTxWarp>
+          </a:bodyPr>
+          <a:lstStyle>
+            <a:lvl1pPr marL="0" indent="0" algn="l" defTabSz="457200" rtl="0" fontAlgn="base">
+              <a:lnSpc>
+                <a:spcPct val="150000"/>
+              </a:lnSpc>
+              <a:spcBef>
+                <a:spcPts val="0"/>
+              </a:spcBef>
+              <a:spcAft>
+                <a:spcPct val="0"/>
+              </a:spcAft>
+              <a:buSzPct val="100000"/>
+              <a:buFontTx/>
+              <a:buNone/>
+              <a:defRPr sz="1200" b="0" kern="0" baseline="0">
+                <a:solidFill>
+                  <a:schemeClr val="tx1"/>
+                </a:solidFill>
+                <a:latin typeface="Arial"/>
+                <a:ea typeface="ＭＳ Ｐゴシック" charset="0"/>
+                <a:cs typeface="ＭＳ Ｐゴシック" charset="0"/>
+              </a:defRPr>
+            </a:lvl1pPr>
+            <a:lvl2pPr marL="742950" indent="-285750" algn="l" defTabSz="457200" rtl="0" fontAlgn="base">
+              <a:lnSpc>
+                <a:spcPct val="150000"/>
+              </a:lnSpc>
+              <a:spcBef>
+                <a:spcPct val="0"/>
+              </a:spcBef>
+              <a:spcAft>
+                <a:spcPct val="0"/>
+              </a:spcAft>
+              <a:buSzPct val="100000"/>
+              <a:buFontTx/>
+              <a:buBlip>
+                <a:blip r:embed="rId2"/>
+              </a:buBlip>
+              <a:defRPr sz="1400" baseline="0">
+                <a:solidFill>
+                  <a:schemeClr val="tx1"/>
+                </a:solidFill>
+                <a:latin typeface="Arial"/>
+                <a:ea typeface="ＭＳ Ｐゴシック" charset="0"/>
+                <a:cs typeface="+mn-cs"/>
+              </a:defRPr>
+            </a:lvl2pPr>
+            <a:lvl3pPr marL="1143000" indent="-228600" algn="l" defTabSz="457200" rtl="0" fontAlgn="base">
+              <a:lnSpc>
+                <a:spcPct val="150000"/>
+              </a:lnSpc>
+              <a:spcBef>
+                <a:spcPct val="0"/>
+              </a:spcBef>
+              <a:spcAft>
+                <a:spcPct val="0"/>
+              </a:spcAft>
+              <a:buSzPct val="100000"/>
+              <a:buFontTx/>
+              <a:buBlip>
+                <a:blip r:embed="rId2"/>
+              </a:buBlip>
+              <a:defRPr sz="1400" baseline="0">
+                <a:solidFill>
+                  <a:schemeClr val="tx1"/>
+                </a:solidFill>
+                <a:latin typeface="Arial"/>
+                <a:ea typeface="ＭＳ Ｐゴシック" charset="0"/>
+                <a:cs typeface="+mn-cs"/>
+              </a:defRPr>
+            </a:lvl3pPr>
+            <a:lvl4pPr marL="1600200" indent="-228600" algn="l" defTabSz="457200" rtl="0" fontAlgn="base">
+              <a:lnSpc>
+                <a:spcPct val="150000"/>
+              </a:lnSpc>
+              <a:spcBef>
+                <a:spcPct val="0"/>
+              </a:spcBef>
+              <a:spcAft>
+                <a:spcPct val="0"/>
+              </a:spcAft>
+              <a:buSzPct val="100000"/>
+              <a:buFontTx/>
+              <a:buBlip>
+                <a:blip r:embed="rId2"/>
+              </a:buBlip>
+              <a:defRPr sz="1400" baseline="0">
+                <a:solidFill>
+                  <a:schemeClr val="tx1"/>
+                </a:solidFill>
+                <a:latin typeface="Arial"/>
+                <a:ea typeface="ＭＳ Ｐゴシック" charset="0"/>
+                <a:cs typeface="+mn-cs"/>
+              </a:defRPr>
+            </a:lvl4pPr>
+            <a:lvl5pPr marL="2057400" indent="-228600" algn="l" defTabSz="457200" rtl="0" fontAlgn="base">
+              <a:lnSpc>
+                <a:spcPct val="150000"/>
+              </a:lnSpc>
+              <a:spcBef>
+                <a:spcPct val="0"/>
+              </a:spcBef>
+              <a:spcAft>
+                <a:spcPct val="0"/>
+              </a:spcAft>
+              <a:buSzPct val="100000"/>
+              <a:buFontTx/>
+              <a:buBlip>
+                <a:blip r:embed="rId2"/>
+              </a:buBlip>
+              <a:defRPr sz="1400" baseline="0">
+                <a:solidFill>
+                  <a:schemeClr val="tx1"/>
+                </a:solidFill>
+                <a:latin typeface="Arial"/>
+                <a:ea typeface="ＭＳ Ｐゴシック" charset="0"/>
+                <a:cs typeface="+mn-cs"/>
+              </a:defRPr>
+            </a:lvl5pPr>
+            <a:lvl6pPr marL="2514600" indent="-228600" algn="l" defTabSz="457200" rtl="0" eaLnBrk="1" latinLnBrk="0" hangingPunct="1">
+              <a:spcBef>
+                <a:spcPct val="20000"/>
+              </a:spcBef>
+              <a:buFont typeface="Arial"/>
+              <a:buChar char="•"/>
+              <a:defRPr sz="2000" kern="1200">
+                <a:solidFill>
+                  <a:schemeClr val="tx1"/>
+                </a:solidFill>
+                <a:latin typeface="+mn-lt"/>
+                <a:ea typeface="+mn-ea"/>
+                <a:cs typeface="+mn-cs"/>
+              </a:defRPr>
+            </a:lvl6pPr>
+            <a:lvl7pPr marL="2971800" indent="-228600" algn="l" defTabSz="457200" rtl="0" eaLnBrk="1" latinLnBrk="0" hangingPunct="1">
+              <a:spcBef>
+                <a:spcPct val="20000"/>
+              </a:spcBef>
+              <a:buFont typeface="Arial"/>
+              <a:buChar char="•"/>
+              <a:defRPr sz="2000" kern="1200">
+                <a:solidFill>
+                  <a:schemeClr val="tx1"/>
+                </a:solidFill>
+                <a:latin typeface="+mn-lt"/>
+                <a:ea typeface="+mn-ea"/>
+                <a:cs typeface="+mn-cs"/>
+              </a:defRPr>
+            </a:lvl7pPr>
+            <a:lvl8pPr marL="3429000" indent="-228600" algn="l" defTabSz="457200" rtl="0" eaLnBrk="1" latinLnBrk="0" hangingPunct="1">
+              <a:spcBef>
+                <a:spcPct val="20000"/>
+              </a:spcBef>
+              <a:buFont typeface="Arial"/>
+              <a:buChar char="•"/>
+              <a:defRPr sz="2000" kern="1200">
+                <a:solidFill>
+                  <a:schemeClr val="tx1"/>
+                </a:solidFill>
+                <a:latin typeface="+mn-lt"/>
+                <a:ea typeface="+mn-ea"/>
+                <a:cs typeface="+mn-cs"/>
+              </a:defRPr>
+            </a:lvl8pPr>
+            <a:lvl9pPr marL="3886200" indent="-228600" algn="l" defTabSz="457200" rtl="0" eaLnBrk="1" latinLnBrk="0" hangingPunct="1">
+              <a:spcBef>
+                <a:spcPct val="20000"/>
+              </a:spcBef>
+              <a:buFont typeface="Arial"/>
+              <a:buChar char="•"/>
+              <a:defRPr sz="2000" kern="1200">
+                <a:solidFill>
+                  <a:schemeClr val="tx1"/>
+                </a:solidFill>
+                <a:latin typeface="+mn-lt"/>
+                <a:ea typeface="+mn-ea"/>
+                <a:cs typeface="+mn-cs"/>
+              </a:defRPr>
+            </a:lvl9pPr>
+          </a:lstStyle>
+          <a:p>
+            <a:r>
+              <a:rPr lang="en-US" sz="1400" dirty="0">
+                <a:solidFill>
+                  <a:schemeClr val="tx2"/>
+                </a:solidFill>
+              </a:rPr>
+              <a:t>Player reaches goal:</a:t>
+            </a:r>
+          </a:p>
+          <a:p>
+            <a:r>
+              <a:rPr lang="en-US" sz="1400" dirty="0">
+                <a:solidFill>
+                  <a:schemeClr val="tx2"/>
+                </a:solidFill>
+              </a:rPr>
+              <a:t>	Reward += 10 - (Step/ 100)</a:t>
+            </a:r>
+          </a:p>
+          <a:p>
+            <a:r>
+              <a:rPr lang="en-US" sz="1400" dirty="0">
+                <a:solidFill>
+                  <a:schemeClr val="tx2"/>
+                </a:solidFill>
+              </a:rPr>
+              <a:t>Player got defended by defender/goalkeeper:</a:t>
+            </a:r>
+          </a:p>
+          <a:p>
+            <a:r>
+              <a:rPr lang="en-US" sz="1400" dirty="0">
+                <a:solidFill>
+                  <a:schemeClr val="tx2"/>
+                </a:solidFill>
+              </a:rPr>
+              <a:t>	Reward = abs(Reward) * (-1) - 10 - (Step / 100)</a:t>
+            </a:r>
+          </a:p>
+          <a:p>
+            <a:r>
+              <a:rPr lang="en-US" sz="1400" dirty="0">
+                <a:solidFill>
+                  <a:schemeClr val="tx2"/>
+                </a:solidFill>
+              </a:rPr>
+              <a:t>Otherwise:</a:t>
+            </a:r>
+          </a:p>
+          <a:p>
+            <a:r>
+              <a:rPr lang="en-US" sz="1400" dirty="0">
+                <a:solidFill>
+                  <a:schemeClr val="tx2"/>
+                </a:solidFill>
+              </a:rPr>
+              <a:t>	Reward += bonus - (Step / 100)</a:t>
+            </a:r>
+          </a:p>
+          <a:p>
+            <a:endParaRPr lang="en-US" sz="1400" dirty="0">
+              <a:solidFill>
+                <a:schemeClr val="tx2"/>
+              </a:solidFill>
+            </a:endParaRPr>
+          </a:p>
+        </p:txBody>
+      </p:sp>
+    </p:spTree>
+    <p:extLst>
+      <p:ext uri="{BB962C8B-B14F-4D97-AF65-F5344CB8AC3E}">
+        <p14:creationId xmlns:p14="http://schemas.microsoft.com/office/powerpoint/2010/main" val="3369045549"/>
+      </p:ext>
+    </p:extLst>
+  </p:cSld>
+  <p:clrMapOvr>
+    <a:masterClrMapping/>
+  </p:clrMapOvr>
+  <mc:AlternateContent xmlns:mc="http://schemas.openxmlformats.org/markup-compatibility/2006" xmlns:p14="http://schemas.microsoft.com/office/powerpoint/2010/main">
+    <mc:Choice Requires="p14">
+      <p:transition spd="med" p14:dur="700">
+        <p:fade/>
+      </p:transition>
+    </mc:Choice>
+    <mc:Fallback xmlns="">
+      <p:transition spd="med">
+        <p:fade/>
+      </p:transition>
+    </mc:Fallback>
+  </mc:AlternateContent>
+</p:sld>
+</file>
+
+<file path=ppt/slides/slide11.xml><?xml version="1.0" encoding="utf-8"?>
+<p:sld xmlns:a="http://schemas.openxmlformats.org/drawingml/2006/main" xmlns:r="http://schemas.openxmlformats.org/officeDocument/2006/relationships" xmlns:p="http://schemas.openxmlformats.org/presentationml/2006/main">
+  <p:cSld>
+    <p:spTree>
+      <p:nvGrpSpPr>
+        <p:cNvPr id="1" name="">
+          <a:extLst>
+            <a:ext uri="{FF2B5EF4-FFF2-40B4-BE49-F238E27FC236}">
+              <a16:creationId xmlns:a16="http://schemas.microsoft.com/office/drawing/2014/main" id="{DBB4107C-4705-6C32-6754-13227176ED20}"/>
+            </a:ext>
+          </a:extLst>
+        </p:cNvPr>
+        <p:cNvGrpSpPr/>
+        <p:nvPr/>
+      </p:nvGrpSpPr>
+      <p:grpSpPr>
+        <a:xfrm>
+          <a:off x="0" y="0"/>
+          <a:ext cx="0" cy="0"/>
+          <a:chOff x="0" y="0"/>
+          <a:chExt cx="0" cy="0"/>
+        </a:xfrm>
+      </p:grpSpPr>
+      <p:sp>
+        <p:nvSpPr>
+          <p:cNvPr id="3" name="Title 2">
+            <a:extLst>
+              <a:ext uri="{FF2B5EF4-FFF2-40B4-BE49-F238E27FC236}">
+                <a16:creationId xmlns:a16="http://schemas.microsoft.com/office/drawing/2014/main" id="{54C7984A-8E69-A01F-EF89-FDF0FF16932B}"/>
+              </a:ext>
+            </a:extLst>
+          </p:cNvPr>
+          <p:cNvSpPr>
+            <a:spLocks noGrp="1"/>
+          </p:cNvSpPr>
+          <p:nvPr>
+            <p:ph type="title"/>
+          </p:nvPr>
+        </p:nvSpPr>
+        <p:spPr/>
+        <p:txBody>
+          <a:bodyPr>
+            <a:normAutofit fontScale="90000"/>
+          </a:bodyPr>
+          <a:lstStyle/>
+          <a:p>
+            <a:r>
+              <a:rPr lang="en-US" dirty="0"/>
+              <a:t>Environment Overview</a:t>
+            </a:r>
+          </a:p>
+        </p:txBody>
+      </p:sp>
+      <p:sp>
+        <p:nvSpPr>
+          <p:cNvPr id="4" name="Subtitle 3">
+            <a:extLst>
+              <a:ext uri="{FF2B5EF4-FFF2-40B4-BE49-F238E27FC236}">
+                <a16:creationId xmlns:a16="http://schemas.microsoft.com/office/drawing/2014/main" id="{E7B4062D-A66C-A605-1D6B-29944E3FFB39}"/>
+              </a:ext>
+            </a:extLst>
+          </p:cNvPr>
+          <p:cNvSpPr>
+            <a:spLocks noGrp="1"/>
+          </p:cNvSpPr>
+          <p:nvPr>
+            <p:ph type="subTitle" idx="1"/>
+          </p:nvPr>
+        </p:nvSpPr>
+        <p:spPr/>
+        <p:txBody>
+          <a:bodyPr/>
+          <a:lstStyle/>
+          <a:p>
+            <a:r>
+              <a:rPr lang="en-US" dirty="0"/>
+              <a:t>Reward Structure (Reshaped - Final) – Flowchart </a:t>
+            </a:r>
+          </a:p>
+        </p:txBody>
+      </p:sp>
+      <p:sp>
+        <p:nvSpPr>
+          <p:cNvPr id="5" name="Slide Number Placeholder 4">
+            <a:extLst>
+              <a:ext uri="{FF2B5EF4-FFF2-40B4-BE49-F238E27FC236}">
+                <a16:creationId xmlns:a16="http://schemas.microsoft.com/office/drawing/2014/main" id="{B06217DD-6A79-9422-94F0-45595FF0CF8E}"/>
+              </a:ext>
+            </a:extLst>
+          </p:cNvPr>
+          <p:cNvSpPr>
+            <a:spLocks noGrp="1"/>
+          </p:cNvSpPr>
+          <p:nvPr>
+            <p:ph type="sldNum" sz="quarter" idx="16"/>
+          </p:nvPr>
+        </p:nvSpPr>
+        <p:spPr/>
+        <p:txBody>
+          <a:bodyPr/>
+          <a:lstStyle/>
+          <a:p>
+            <a:pPr>
+              <a:defRPr/>
+            </a:pPr>
+            <a:fld id="{FBA07125-F287-674A-B4D8-FED3251FDE20}" type="slidenum">
+              <a:rPr lang="de-DE" smtClean="0"/>
+              <a:pPr>
+                <a:defRPr/>
+              </a:pPr>
+              <a:t>11</a:t>
+            </a:fld>
+            <a:endParaRPr lang="de-DE" dirty="0"/>
+          </a:p>
+        </p:txBody>
+      </p:sp>
+      <p:pic>
+        <p:nvPicPr>
+          <p:cNvPr id="9" name="Picture 8">
+            <a:extLst>
+              <a:ext uri="{FF2B5EF4-FFF2-40B4-BE49-F238E27FC236}">
+                <a16:creationId xmlns:a16="http://schemas.microsoft.com/office/drawing/2014/main" id="{F56EE3B4-8DB1-F2FA-6AB5-CCB4C16B93CA}"/>
+              </a:ext>
+            </a:extLst>
+          </p:cNvPr>
+          <p:cNvPicPr>
+            <a:picLocks noChangeAspect="1"/>
+          </p:cNvPicPr>
+          <p:nvPr/>
+        </p:nvPicPr>
+        <p:blipFill>
+          <a:blip r:embed="rId2">
+            <a:extLst>
+              <a:ext uri="{28A0092B-C50C-407E-A947-70E740481C1C}">
+                <a14:useLocalDpi xmlns:a14="http://schemas.microsoft.com/office/drawing/2010/main" val="0"/>
+              </a:ext>
+            </a:extLst>
+          </a:blip>
+          <a:srcRect/>
+          <a:stretch/>
+        </p:blipFill>
+        <p:spPr>
+          <a:xfrm>
+            <a:off x="3124199" y="1239521"/>
+            <a:ext cx="5035598" cy="5342254"/>
+          </a:xfrm>
+          <a:prstGeom prst="rect">
+            <a:avLst/>
+          </a:prstGeom>
+        </p:spPr>
+      </p:pic>
+    </p:spTree>
+    <p:extLst>
+      <p:ext uri="{BB962C8B-B14F-4D97-AF65-F5344CB8AC3E}">
+        <p14:creationId xmlns:p14="http://schemas.microsoft.com/office/powerpoint/2010/main" val="3614805439"/>
+      </p:ext>
+    </p:extLst>
+  </p:cSld>
+  <p:clrMapOvr>
+    <a:masterClrMapping/>
+  </p:clrMapOvr>
+  <mc:AlternateContent xmlns:mc="http://schemas.openxmlformats.org/markup-compatibility/2006" xmlns:p14="http://schemas.microsoft.com/office/powerpoint/2010/main">
+    <mc:Choice Requires="p14">
+      <p:transition spd="med" p14:dur="700">
+        <p:fade/>
+      </p:transition>
+    </mc:Choice>
+    <mc:Fallback xmlns="">
+      <p:transition spd="med">
+        <p:fade/>
+      </p:transition>
+    </mc:Fallback>
+  </mc:AlternateContent>
+</p:sld>
+</file>
+
+<file path=ppt/slides/slide12.xml><?xml version="1.0" encoding="utf-8"?>
 <p:sld xmlns:a="http://schemas.openxmlformats.org/drawingml/2006/main" xmlns:r="http://schemas.openxmlformats.org/officeDocument/2006/relationships" xmlns:p="http://schemas.openxmlformats.org/presentationml/2006/main">
   <p:cSld>
     <p:spTree>
@@ -6397,7 +7173,7 @@
           <a:p>
             <a:r>
               <a:rPr lang="en-US" dirty="0"/>
-              <a:t>Reward Structure (Reshaped - Final)</a:t>
+              <a:t>Reward Structure (Reshaped - Final) – Q-Table</a:t>
             </a:r>
           </a:p>
         </p:txBody>
@@ -6431,7 +7207,7 @@
               <a:pPr>
                 <a:defRPr/>
               </a:pPr>
-              <a:t>10</a:t>
+              <a:t>12</a:t>
             </a:fld>
             <a:endParaRPr lang="de-DE" dirty="0"/>
           </a:p>
@@ -6756,13 +7532,13 @@
   <p:clrMapOvr>
     <a:masterClrMapping/>
   </p:clrMapOvr>
-  <mc:AlternateContent xmlns:mc="http://schemas.openxmlformats.org/markup-compatibility/2006">
-    <mc:Choice xmlns:p14="http://schemas.microsoft.com/office/powerpoint/2010/main" Requires="p14">
+  <mc:AlternateContent xmlns:mc="http://schemas.openxmlformats.org/markup-compatibility/2006" xmlns:p14="http://schemas.microsoft.com/office/powerpoint/2010/main">
+    <mc:Choice Requires="p14">
       <p:transition spd="med" p14:dur="700">
         <p:fade/>
       </p:transition>
     </mc:Choice>
-    <mc:Fallback>
+    <mc:Fallback xmlns="">
       <p:transition spd="med">
         <p:fade/>
       </p:transition>
@@ -6771,9 +7547,20 @@
 </p:sld>
 </file>
 
-<file path=ppt/slides/slide11.xml><?xml version="1.0" encoding="utf-8"?>
+<file path=ppt/slides/slide13.xml><?xml version="1.0" encoding="utf-8"?>
 <p:sld xmlns:a="http://schemas.openxmlformats.org/drawingml/2006/main" xmlns:r="http://schemas.openxmlformats.org/officeDocument/2006/relationships" xmlns:p="http://schemas.openxmlformats.org/presentationml/2006/main">
   <p:cSld>
+    <p:bg>
+      <p:bgPr>
+        <a:solidFill>
+          <a:schemeClr val="tx2">
+            <a:lumMod val="95000"/>
+            <a:lumOff val="5000"/>
+          </a:schemeClr>
+        </a:solidFill>
+        <a:effectLst/>
+      </p:bgPr>
+    </p:bg>
     <p:spTree>
       <p:nvGrpSpPr>
         <p:cNvPr id="1" name="">
@@ -6847,7 +7634,7 @@
           <a:p>
             <a:r>
               <a:rPr lang="en-US" dirty="0"/>
-              <a:t>Reward Structure (Reshaped - Final)</a:t>
+              <a:t>Reward Structure (Reshaped - Final) – Video </a:t>
             </a:r>
           </a:p>
         </p:txBody>
@@ -6881,7 +7668,7 @@
               <a:pPr>
                 <a:defRPr/>
               </a:pPr>
-              <a:t>11</a:t>
+              <a:t>13</a:t>
             </a:fld>
             <a:endParaRPr lang="de-DE" dirty="0"/>
           </a:p>
@@ -6919,8 +7706,8 @@
         </p:blipFill>
         <p:spPr>
           <a:xfrm>
-            <a:off x="4249295" y="1483804"/>
-            <a:ext cx="3693409" cy="3890391"/>
+            <a:off x="4070287" y="1295249"/>
+            <a:ext cx="4051425" cy="4267501"/>
           </a:xfrm>
           <a:prstGeom prst="rect">
             <a:avLst/>
@@ -6937,13 +7724,13 @@
   <p:clrMapOvr>
     <a:masterClrMapping/>
   </p:clrMapOvr>
-  <mc:AlternateContent xmlns:mc="http://schemas.openxmlformats.org/markup-compatibility/2006">
-    <mc:Choice xmlns:p14="http://schemas.microsoft.com/office/powerpoint/2010/main" Requires="p14">
+  <mc:AlternateContent xmlns:mc="http://schemas.openxmlformats.org/markup-compatibility/2006" xmlns:p14="http://schemas.microsoft.com/office/powerpoint/2010/main">
+    <mc:Choice Requires="p14">
       <p:transition spd="med" p14:dur="700">
         <p:fade/>
       </p:transition>
     </mc:Choice>
-    <mc:Fallback>
+    <mc:Fallback xmlns="">
       <p:transition spd="med">
         <p:fade/>
       </p:transition>
@@ -7087,7 +7874,7 @@
 </p:sld>
 </file>
 
-<file path=ppt/slides/slide12.xml><?xml version="1.0" encoding="utf-8"?>
+<file path=ppt/slides/slide14.xml><?xml version="1.0" encoding="utf-8"?>
 <p:sld xmlns:a="http://schemas.openxmlformats.org/drawingml/2006/main" xmlns:r="http://schemas.openxmlformats.org/officeDocument/2006/relationships" xmlns:p="http://schemas.openxmlformats.org/presentationml/2006/main">
   <p:cSld>
     <p:spTree>
@@ -7163,7 +7950,7 @@
           <a:p>
             <a:r>
               <a:rPr lang="en-US" dirty="0"/>
-              <a:t>Reward Structure (Reshaped) - Observation</a:t>
+              <a:t>Reward Structure (Reshaped - Final) – Observation </a:t>
             </a:r>
           </a:p>
         </p:txBody>
@@ -7197,7 +7984,7 @@
               <a:pPr>
                 <a:defRPr/>
               </a:pPr>
-              <a:t>12</a:t>
+              <a:t>14</a:t>
             </a:fld>
             <a:endParaRPr lang="de-DE" dirty="0"/>
           </a:p>
@@ -7490,13 +8277,13 @@
   <p:clrMapOvr>
     <a:masterClrMapping/>
   </p:clrMapOvr>
-  <mc:AlternateContent xmlns:mc="http://schemas.openxmlformats.org/markup-compatibility/2006">
-    <mc:Choice xmlns:p14="http://schemas.microsoft.com/office/powerpoint/2010/main" Requires="p14">
+  <mc:AlternateContent xmlns:mc="http://schemas.openxmlformats.org/markup-compatibility/2006" xmlns:p14="http://schemas.microsoft.com/office/powerpoint/2010/main">
+    <mc:Choice Requires="p14">
       <p:transition spd="med" p14:dur="700">
         <p:fade/>
       </p:transition>
     </mc:Choice>
-    <mc:Fallback>
+    <mc:Fallback xmlns="">
       <p:transition spd="med">
         <p:fade/>
       </p:transition>
@@ -7505,7 +8292,7 @@
 </p:sld>
 </file>
 
-<file path=ppt/slides/slide13.xml><?xml version="1.0" encoding="utf-8"?>
+<file path=ppt/slides/slide15.xml><?xml version="1.0" encoding="utf-8"?>
 <p:sld xmlns:a="http://schemas.openxmlformats.org/drawingml/2006/main" xmlns:r="http://schemas.openxmlformats.org/officeDocument/2006/relationships" xmlns:p="http://schemas.openxmlformats.org/presentationml/2006/main">
   <p:cSld>
     <p:spTree>
@@ -8183,7 +8970,7 @@
               <a:pPr>
                 <a:defRPr/>
               </a:pPr>
-              <a:t>13</a:t>
+              <a:t>15</a:t>
             </a:fld>
             <a:endParaRPr lang="de-DE" dirty="0"/>
           </a:p>
@@ -8235,13 +9022,13 @@
   <p:clrMapOvr>
     <a:masterClrMapping/>
   </p:clrMapOvr>
-  <mc:AlternateContent xmlns:mc="http://schemas.openxmlformats.org/markup-compatibility/2006">
-    <mc:Choice xmlns:p14="http://schemas.microsoft.com/office/powerpoint/2010/main" Requires="p14">
+  <mc:AlternateContent xmlns:mc="http://schemas.openxmlformats.org/markup-compatibility/2006" xmlns:p14="http://schemas.microsoft.com/office/powerpoint/2010/main">
+    <mc:Choice Requires="p14">
       <p:transition spd="med" p14:dur="700">
         <p:fade/>
       </p:transition>
     </mc:Choice>
-    <mc:Fallback>
+    <mc:Fallback xmlns="">
       <p:transition spd="med">
         <p:fade/>
       </p:transition>
@@ -8250,7 +9037,7 @@
 </p:sld>
 </file>
 
-<file path=ppt/slides/slide14.xml><?xml version="1.0" encoding="utf-8"?>
+<file path=ppt/slides/slide16.xml><?xml version="1.0" encoding="utf-8"?>
 <p:sld xmlns:a="http://schemas.openxmlformats.org/drawingml/2006/main" xmlns:r="http://schemas.openxmlformats.org/officeDocument/2006/relationships" xmlns:p="http://schemas.openxmlformats.org/presentationml/2006/main">
   <p:cSld>
     <p:spTree>
@@ -8362,7 +9149,7 @@
               <a:pPr>
                 <a:defRPr/>
               </a:pPr>
-              <a:t>14</a:t>
+              <a:t>16</a:t>
             </a:fld>
             <a:endParaRPr lang="de-DE" dirty="0"/>
           </a:p>
@@ -8669,13 +9456,13 @@
   <p:clrMapOvr>
     <a:masterClrMapping/>
   </p:clrMapOvr>
-  <mc:AlternateContent xmlns:mc="http://schemas.openxmlformats.org/markup-compatibility/2006">
-    <mc:Choice xmlns:p14="http://schemas.microsoft.com/office/powerpoint/2010/main" Requires="p14">
+  <mc:AlternateContent xmlns:mc="http://schemas.openxmlformats.org/markup-compatibility/2006" xmlns:p14="http://schemas.microsoft.com/office/powerpoint/2010/main">
+    <mc:Choice Requires="p14">
       <p:transition spd="med" p14:dur="700">
         <p:fade/>
       </p:transition>
     </mc:Choice>
-    <mc:Fallback>
+    <mc:Fallback xmlns="">
       <p:transition spd="med">
         <p:fade/>
       </p:transition>
@@ -8684,7 +9471,7 @@
 </p:sld>
 </file>
 
-<file path=ppt/slides/slide15.xml><?xml version="1.0" encoding="utf-8"?>
+<file path=ppt/slides/slide17.xml><?xml version="1.0" encoding="utf-8"?>
 <p:sld xmlns:a="http://schemas.openxmlformats.org/drawingml/2006/main" xmlns:r="http://schemas.openxmlformats.org/officeDocument/2006/relationships" xmlns:p="http://schemas.openxmlformats.org/presentationml/2006/main">
   <p:cSld>
     <p:spTree>
@@ -8766,7 +9553,7 @@
               <a:pPr>
                 <a:defRPr/>
               </a:pPr>
-              <a:t>15</a:t>
+              <a:t>17</a:t>
             </a:fld>
             <a:endParaRPr lang="de-DE" dirty="0"/>
           </a:p>
@@ -8782,13 +9569,13 @@
   <p:clrMapOvr>
     <a:masterClrMapping/>
   </p:clrMapOvr>
-  <mc:AlternateContent xmlns:mc="http://schemas.openxmlformats.org/markup-compatibility/2006">
-    <mc:Choice xmlns:p14="http://schemas.microsoft.com/office/powerpoint/2010/main" Requires="p14">
+  <mc:AlternateContent xmlns:mc="http://schemas.openxmlformats.org/markup-compatibility/2006" xmlns:p14="http://schemas.microsoft.com/office/powerpoint/2010/main">
+    <mc:Choice Requires="p14">
       <p:transition spd="med" p14:dur="700">
         <p:fade/>
       </p:transition>
     </mc:Choice>
-    <mc:Fallback>
+    <mc:Fallback xmlns="">
       <p:transition spd="med">
         <p:fade/>
       </p:transition>
@@ -8839,7 +9626,7 @@
           <a:p>
             <a:r>
               <a:rPr lang="en-US" dirty="0"/>
-              <a:t>PADM - Project</a:t>
+              <a:t>PADM – Project </a:t>
             </a:r>
           </a:p>
         </p:txBody>
@@ -8973,13 +9760,13 @@
   <p:clrMapOvr>
     <a:masterClrMapping/>
   </p:clrMapOvr>
-  <mc:AlternateContent xmlns:mc="http://schemas.openxmlformats.org/markup-compatibility/2006">
-    <mc:Choice xmlns:p14="http://schemas.microsoft.com/office/powerpoint/2010/main" Requires="p14">
+  <mc:AlternateContent xmlns:mc="http://schemas.openxmlformats.org/markup-compatibility/2006" xmlns:p14="http://schemas.microsoft.com/office/powerpoint/2010/main">
+    <mc:Choice Requires="p14">
       <p:transition spd="med" p14:dur="700">
         <p:fade/>
       </p:transition>
     </mc:Choice>
-    <mc:Fallback>
+    <mc:Fallback xmlns="">
       <p:transition spd="med">
         <p:fade/>
       </p:transition>
@@ -9030,7 +9817,7 @@
           <a:p>
             <a:r>
               <a:rPr lang="en-US" dirty="0"/>
-              <a:t>PADM - Project</a:t>
+              <a:t>PADM – Project </a:t>
             </a:r>
           </a:p>
         </p:txBody>
@@ -9058,7 +9845,7 @@
           <a:p>
             <a:r>
               <a:rPr lang="en-US" dirty="0"/>
-              <a:t>Objectives &amp; Solving Approach</a:t>
+              <a:t>Objectives, Solving Approach &amp; Tools</a:t>
             </a:r>
           </a:p>
         </p:txBody>
@@ -9147,7 +9934,7 @@
         </p:nvSpPr>
         <p:spPr>
           <a:xfrm>
-            <a:off x="710133" y="2420963"/>
+            <a:off x="710133" y="1709763"/>
             <a:ext cx="5385867" cy="1169551"/>
           </a:xfrm>
           <a:prstGeom prst="rect">
@@ -9233,7 +10020,7 @@
         </p:nvSpPr>
         <p:spPr>
           <a:xfrm>
-            <a:off x="710132" y="3884003"/>
+            <a:off x="710132" y="3172803"/>
             <a:ext cx="5385867" cy="523220"/>
           </a:xfrm>
           <a:prstGeom prst="rect">
@@ -9300,6 +10087,149 @@
           </a:p>
         </p:txBody>
       </p:sp>
+      <p:sp>
+        <p:nvSpPr>
+          <p:cNvPr id="2" name="TextBox 1">
+            <a:extLst>
+              <a:ext uri="{FF2B5EF4-FFF2-40B4-BE49-F238E27FC236}">
+                <a16:creationId xmlns:a16="http://schemas.microsoft.com/office/drawing/2014/main" id="{3ECE49D5-5340-59C5-82DB-64D563B9957D}"/>
+              </a:ext>
+            </a:extLst>
+          </p:cNvPr>
+          <p:cNvSpPr txBox="1"/>
+          <p:nvPr/>
+        </p:nvSpPr>
+        <p:spPr>
+          <a:xfrm>
+            <a:off x="710132" y="3989512"/>
+            <a:ext cx="5385867" cy="1600438"/>
+          </a:xfrm>
+          <a:prstGeom prst="rect">
+            <a:avLst/>
+          </a:prstGeom>
+          <a:noFill/>
+        </p:spPr>
+        <p:txBody>
+          <a:bodyPr wrap="square" rtlCol="0">
+            <a:spAutoFit/>
+          </a:bodyPr>
+          <a:lstStyle/>
+          <a:p>
+            <a:pPr algn="just"/>
+            <a:r>
+              <a:rPr lang="en-US" sz="1400" dirty="0">
+                <a:solidFill>
+                  <a:schemeClr val="tx2"/>
+                </a:solidFill>
+                <a:cs typeface="Times New Roman" panose="02020603050405020304" pitchFamily="18" charset="0"/>
+              </a:rPr>
+              <a:t>Tools:</a:t>
+            </a:r>
+          </a:p>
+          <a:p>
+            <a:pPr marL="342900" indent="-342900" algn="just">
+              <a:buFont typeface="Wingdings" panose="05000000000000000000" pitchFamily="2" charset="2"/>
+              <a:buChar char="Ø"/>
+            </a:pPr>
+            <a:r>
+              <a:rPr lang="en-US" sz="1400" dirty="0">
+                <a:solidFill>
+                  <a:schemeClr val="tx2"/>
+                </a:solidFill>
+                <a:cs typeface="Times New Roman" panose="02020603050405020304" pitchFamily="18" charset="0"/>
+              </a:rPr>
+              <a:t>Python</a:t>
+            </a:r>
+          </a:p>
+          <a:p>
+            <a:pPr marL="342900" indent="-342900" algn="just">
+              <a:buFont typeface="Wingdings" panose="05000000000000000000" pitchFamily="2" charset="2"/>
+              <a:buChar char="Ø"/>
+            </a:pPr>
+            <a:r>
+              <a:rPr lang="en-US" sz="1400" dirty="0">
+                <a:solidFill>
+                  <a:schemeClr val="tx2"/>
+                </a:solidFill>
+                <a:cs typeface="Times New Roman" panose="02020603050405020304" pitchFamily="18" charset="0"/>
+              </a:rPr>
+              <a:t>Gymnasium</a:t>
+            </a:r>
+          </a:p>
+          <a:p>
+            <a:pPr marL="342900" indent="-342900" algn="just">
+              <a:buFont typeface="Wingdings" panose="05000000000000000000" pitchFamily="2" charset="2"/>
+              <a:buChar char="Ø"/>
+            </a:pPr>
+            <a:r>
+              <a:rPr lang="en-US" sz="1400" dirty="0" err="1">
+                <a:solidFill>
+                  <a:schemeClr val="tx2"/>
+                </a:solidFill>
+                <a:cs typeface="Times New Roman" panose="02020603050405020304" pitchFamily="18" charset="0"/>
+              </a:rPr>
+              <a:t>Pygame</a:t>
+            </a:r>
+            <a:endParaRPr lang="en-US" sz="1400" dirty="0">
+              <a:solidFill>
+                <a:schemeClr val="tx2"/>
+              </a:solidFill>
+              <a:cs typeface="Times New Roman" panose="02020603050405020304" pitchFamily="18" charset="0"/>
+            </a:endParaRPr>
+          </a:p>
+          <a:p>
+            <a:pPr marL="342900" indent="-342900" algn="just">
+              <a:buFont typeface="Wingdings" panose="05000000000000000000" pitchFamily="2" charset="2"/>
+              <a:buChar char="Ø"/>
+            </a:pPr>
+            <a:r>
+              <a:rPr lang="en-US" sz="1400" dirty="0" err="1">
+                <a:solidFill>
+                  <a:schemeClr val="tx2"/>
+                </a:solidFill>
+                <a:cs typeface="Times New Roman" panose="02020603050405020304" pitchFamily="18" charset="0"/>
+              </a:rPr>
+              <a:t>Numpy</a:t>
+            </a:r>
+            <a:endParaRPr lang="en-US" sz="1400" dirty="0">
+              <a:solidFill>
+                <a:schemeClr val="tx2"/>
+              </a:solidFill>
+              <a:cs typeface="Times New Roman" panose="02020603050405020304" pitchFamily="18" charset="0"/>
+            </a:endParaRPr>
+          </a:p>
+          <a:p>
+            <a:pPr marL="342900" indent="-342900" algn="just">
+              <a:buFont typeface="Wingdings" panose="05000000000000000000" pitchFamily="2" charset="2"/>
+              <a:buChar char="Ø"/>
+            </a:pPr>
+            <a:r>
+              <a:rPr lang="en-US" sz="1400" dirty="0">
+                <a:solidFill>
+                  <a:schemeClr val="tx2"/>
+                </a:solidFill>
+                <a:cs typeface="Times New Roman" panose="02020603050405020304" pitchFamily="18" charset="0"/>
+              </a:rPr>
+              <a:t>Seaborn</a:t>
+            </a:r>
+          </a:p>
+          <a:p>
+            <a:pPr marL="342900" indent="-342900" algn="just">
+              <a:buFont typeface="Wingdings" panose="05000000000000000000" pitchFamily="2" charset="2"/>
+              <a:buChar char="Ø"/>
+            </a:pPr>
+            <a:r>
+              <a:rPr lang="en-US" sz="1400" dirty="0">
+                <a:solidFill>
+                  <a:schemeClr val="tx2"/>
+                </a:solidFill>
+                <a:cs typeface="Times New Roman" panose="02020603050405020304" pitchFamily="18" charset="0"/>
+              </a:rPr>
+              <a:t>Matplotlib</a:t>
+            </a:r>
+          </a:p>
+        </p:txBody>
+      </p:sp>
     </p:spTree>
     <p:extLst>
       <p:ext uri="{BB962C8B-B14F-4D97-AF65-F5344CB8AC3E}">
@@ -9310,13 +10240,13 @@
   <p:clrMapOvr>
     <a:masterClrMapping/>
   </p:clrMapOvr>
-  <mc:AlternateContent xmlns:mc="http://schemas.openxmlformats.org/markup-compatibility/2006">
-    <mc:Choice xmlns:p14="http://schemas.microsoft.com/office/powerpoint/2010/main" Requires="p14">
+  <mc:AlternateContent xmlns:mc="http://schemas.openxmlformats.org/markup-compatibility/2006" xmlns:p14="http://schemas.microsoft.com/office/powerpoint/2010/main">
+    <mc:Choice Requires="p14">
       <p:transition spd="med" p14:dur="700">
         <p:fade/>
       </p:transition>
     </mc:Choice>
-    <mc:Fallback>
+    <mc:Fallback xmlns="">
       <p:transition spd="med">
         <p:fade/>
       </p:transition>
@@ -9373,7 +10303,7 @@
           <a:p>
             <a:r>
               <a:rPr lang="en-US" dirty="0"/>
-              <a:t>PADM - Project</a:t>
+              <a:t>PADM – Project </a:t>
             </a:r>
           </a:p>
         </p:txBody>
@@ -9487,13 +10417,13 @@
   <p:clrMapOvr>
     <a:masterClrMapping/>
   </p:clrMapOvr>
-  <mc:AlternateContent xmlns:mc="http://schemas.openxmlformats.org/markup-compatibility/2006">
-    <mc:Choice xmlns:p14="http://schemas.microsoft.com/office/powerpoint/2010/main" Requires="p14">
+  <mc:AlternateContent xmlns:mc="http://schemas.openxmlformats.org/markup-compatibility/2006" xmlns:p14="http://schemas.microsoft.com/office/powerpoint/2010/main">
+    <mc:Choice Requires="p14">
       <p:transition spd="med" p14:dur="700">
         <p:fade/>
       </p:transition>
     </mc:Choice>
-    <mc:Fallback>
+    <mc:Fallback xmlns="">
       <p:transition spd="med">
         <p:fade/>
       </p:transition>
@@ -9687,7 +10617,7 @@
                 </a:solidFill>
                 <a:cs typeface="Times New Roman" panose="02020603050405020304" pitchFamily="18" charset="0"/>
               </a:rPr>
-              <a:t>Ball, initial position (4, 4) </a:t>
+              <a:t>Ball, initial position (4, 0) </a:t>
             </a:r>
           </a:p>
           <a:p>
@@ -11166,13 +12096,13 @@
   <p:clrMapOvr>
     <a:masterClrMapping/>
   </p:clrMapOvr>
-  <mc:AlternateContent xmlns:mc="http://schemas.openxmlformats.org/markup-compatibility/2006">
-    <mc:Choice xmlns:p14="http://schemas.microsoft.com/office/powerpoint/2010/main" Requires="p14">
+  <mc:AlternateContent xmlns:mc="http://schemas.openxmlformats.org/markup-compatibility/2006" xmlns:p14="http://schemas.microsoft.com/office/powerpoint/2010/main">
+    <mc:Choice Requires="p14">
       <p:transition spd="med" p14:dur="700">
         <p:fade/>
       </p:transition>
     </mc:Choice>
-    <mc:Fallback>
+    <mc:Fallback xmlns="">
       <p:transition spd="med">
         <p:fade/>
       </p:transition>
@@ -12244,7 +13174,7 @@
           <a:p>
             <a:r>
               <a:rPr lang="en-US" dirty="0"/>
-              <a:t>Reward Structure (Initial)</a:t>
+              <a:t>Reward Structure (Initial) &amp; Flowchart</a:t>
             </a:r>
           </a:p>
         </p:txBody>
@@ -12284,6 +13214,182 @@
           </a:p>
         </p:txBody>
       </p:sp>
+      <p:pic>
+        <p:nvPicPr>
+          <p:cNvPr id="8" name="Picture 7">
+            <a:extLst>
+              <a:ext uri="{FF2B5EF4-FFF2-40B4-BE49-F238E27FC236}">
+                <a16:creationId xmlns:a16="http://schemas.microsoft.com/office/drawing/2014/main" id="{0F716336-A989-1B4F-4FEB-8F7D8244D2C0}"/>
+              </a:ext>
+            </a:extLst>
+          </p:cNvPr>
+          <p:cNvPicPr>
+            <a:picLocks noChangeAspect="1"/>
+          </p:cNvPicPr>
+          <p:nvPr/>
+        </p:nvPicPr>
+        <p:blipFill>
+          <a:blip r:embed="rId2">
+            <a:extLst>
+              <a:ext uri="{28A0092B-C50C-407E-A947-70E740481C1C}">
+                <a14:useLocalDpi xmlns:a14="http://schemas.microsoft.com/office/drawing/2010/main" val="0"/>
+              </a:ext>
+            </a:extLst>
+          </a:blip>
+          <a:stretch>
+            <a:fillRect/>
+          </a:stretch>
+        </p:blipFill>
+        <p:spPr>
+          <a:xfrm>
+            <a:off x="5270400" y="1947861"/>
+            <a:ext cx="4057650" cy="2962275"/>
+          </a:xfrm>
+          <a:prstGeom prst="rect">
+            <a:avLst/>
+          </a:prstGeom>
+        </p:spPr>
+      </p:pic>
+    </p:spTree>
+    <p:extLst>
+      <p:ext uri="{BB962C8B-B14F-4D97-AF65-F5344CB8AC3E}">
+        <p14:creationId xmlns:p14="http://schemas.microsoft.com/office/powerpoint/2010/main" val="66332484"/>
+      </p:ext>
+    </p:extLst>
+  </p:cSld>
+  <p:clrMapOvr>
+    <a:masterClrMapping/>
+  </p:clrMapOvr>
+  <mc:AlternateContent xmlns:mc="http://schemas.openxmlformats.org/markup-compatibility/2006" xmlns:p14="http://schemas.microsoft.com/office/powerpoint/2010/main">
+    <mc:Choice Requires="p14">
+      <p:transition spd="med" p14:dur="700">
+        <p:fade/>
+      </p:transition>
+    </mc:Choice>
+    <mc:Fallback xmlns="">
+      <p:transition spd="med">
+        <p:fade/>
+      </p:transition>
+    </mc:Fallback>
+  </mc:AlternateContent>
+</p:sld>
+</file>
+
+<file path=ppt/slides/slide7.xml><?xml version="1.0" encoding="utf-8"?>
+<p:sld xmlns:a="http://schemas.openxmlformats.org/drawingml/2006/main" xmlns:r="http://schemas.openxmlformats.org/officeDocument/2006/relationships" xmlns:p="http://schemas.openxmlformats.org/presentationml/2006/main">
+  <p:cSld>
+    <p:spTree>
+      <p:nvGrpSpPr>
+        <p:cNvPr id="1" name=""/>
+        <p:cNvGrpSpPr/>
+        <p:nvPr/>
+      </p:nvGrpSpPr>
+      <p:grpSpPr>
+        <a:xfrm>
+          <a:off x="0" y="0"/>
+          <a:ext cx="0" cy="0"/>
+          <a:chOff x="0" y="0"/>
+          <a:chExt cx="0" cy="0"/>
+        </a:xfrm>
+      </p:grpSpPr>
+      <p:sp>
+        <p:nvSpPr>
+          <p:cNvPr id="3" name="Title 2">
+            <a:extLst>
+              <a:ext uri="{FF2B5EF4-FFF2-40B4-BE49-F238E27FC236}">
+                <a16:creationId xmlns:a16="http://schemas.microsoft.com/office/drawing/2014/main" id="{FA86F21E-FFA9-9AAF-1EE4-FDB485846105}"/>
+              </a:ext>
+            </a:extLst>
+          </p:cNvPr>
+          <p:cNvSpPr>
+            <a:spLocks noGrp="1"/>
+          </p:cNvSpPr>
+          <p:nvPr>
+            <p:ph type="title"/>
+          </p:nvPr>
+        </p:nvSpPr>
+        <p:spPr/>
+        <p:txBody>
+          <a:bodyPr>
+            <a:normAutofit fontScale="90000"/>
+          </a:bodyPr>
+          <a:lstStyle/>
+          <a:p>
+            <a:r>
+              <a:rPr lang="en-US" dirty="0"/>
+              <a:t>Environment Overview</a:t>
+            </a:r>
+          </a:p>
+        </p:txBody>
+      </p:sp>
+      <p:sp>
+        <p:nvSpPr>
+          <p:cNvPr id="4" name="Subtitle 3">
+            <a:extLst>
+              <a:ext uri="{FF2B5EF4-FFF2-40B4-BE49-F238E27FC236}">
+                <a16:creationId xmlns:a16="http://schemas.microsoft.com/office/drawing/2014/main" id="{0F5EDD9A-BC1A-BBB1-3B69-5FB12C08057B}"/>
+              </a:ext>
+            </a:extLst>
+          </p:cNvPr>
+          <p:cNvSpPr>
+            <a:spLocks noGrp="1"/>
+          </p:cNvSpPr>
+          <p:nvPr>
+            <p:ph type="subTitle" idx="1"/>
+          </p:nvPr>
+        </p:nvSpPr>
+        <p:spPr/>
+        <p:txBody>
+          <a:bodyPr>
+            <a:normAutofit lnSpcReduction="10000"/>
+          </a:bodyPr>
+          <a:lstStyle/>
+          <a:p>
+            <a:r>
+              <a:rPr lang="en-US" dirty="0"/>
+              <a:t>Reward Structure (Initial) – Q-Table </a:t>
+            </a:r>
+          </a:p>
+          <a:p>
+            <a:endParaRPr lang="en-US" dirty="0"/>
+          </a:p>
+        </p:txBody>
+      </p:sp>
+      <p:sp>
+        <p:nvSpPr>
+          <p:cNvPr id="5" name="Slide Number Placeholder 4">
+            <a:extLst>
+              <a:ext uri="{FF2B5EF4-FFF2-40B4-BE49-F238E27FC236}">
+                <a16:creationId xmlns:a16="http://schemas.microsoft.com/office/drawing/2014/main" id="{59615B58-23FB-8471-BFFB-844A345DCAE5}"/>
+              </a:ext>
+            </a:extLst>
+          </p:cNvPr>
+          <p:cNvSpPr>
+            <a:spLocks noGrp="1"/>
+          </p:cNvSpPr>
+          <p:nvPr>
+            <p:ph type="sldNum" sz="quarter" idx="16"/>
+          </p:nvPr>
+        </p:nvSpPr>
+        <p:spPr/>
+        <p:txBody>
+          <a:bodyPr/>
+          <a:lstStyle/>
+          <a:p>
+            <a:pPr>
+              <a:defRPr/>
+            </a:pPr>
+            <a:fld id="{FBA07125-F287-674A-B4D8-FED3251FDE20}" type="slidenum">
+              <a:rPr lang="de-DE" smtClean="0"/>
+              <a:pPr>
+                <a:defRPr/>
+              </a:pPr>
+              <a:t>7</a:t>
+            </a:fld>
+            <a:endParaRPr lang="de-DE" dirty="0"/>
+          </a:p>
+        </p:txBody>
+      </p:sp>
       <p:grpSp>
         <p:nvGrpSpPr>
           <p:cNvPr id="10" name="Group 9">
@@ -12298,8 +13404,8 @@
         </p:nvGrpSpPr>
         <p:grpSpPr>
           <a:xfrm>
-            <a:off x="4116287" y="1710750"/>
-            <a:ext cx="7913788" cy="4128076"/>
+            <a:off x="1305242" y="1710750"/>
+            <a:ext cx="9581515" cy="4740450"/>
             <a:chOff x="4314825" y="1158299"/>
             <a:chExt cx="7600949" cy="4740451"/>
           </a:xfrm>
@@ -12597,31 +13703,30 @@
     </p:spTree>
     <p:extLst>
       <p:ext uri="{BB962C8B-B14F-4D97-AF65-F5344CB8AC3E}">
-        <p14:creationId xmlns:p14="http://schemas.microsoft.com/office/powerpoint/2010/main" val="66332484"/>
+        <p14:creationId xmlns:p14="http://schemas.microsoft.com/office/powerpoint/2010/main" val="1596519159"/>
       </p:ext>
     </p:extLst>
   </p:cSld>
   <p:clrMapOvr>
     <a:masterClrMapping/>
   </p:clrMapOvr>
-  <mc:AlternateContent xmlns:mc="http://schemas.openxmlformats.org/markup-compatibility/2006">
-    <mc:Choice xmlns:p14="http://schemas.microsoft.com/office/powerpoint/2010/main" Requires="p14">
-      <p:transition spd="med" p14:dur="700">
-        <p:fade/>
-      </p:transition>
-    </mc:Choice>
-    <mc:Fallback>
-      <p:transition spd="med">
-        <p:fade/>
-      </p:transition>
-    </mc:Fallback>
-  </mc:AlternateContent>
 </p:sld>
 </file>
 
-<file path=ppt/slides/slide7.xml><?xml version="1.0" encoding="utf-8"?>
+<file path=ppt/slides/slide8.xml><?xml version="1.0" encoding="utf-8"?>
 <p:sld xmlns:a="http://schemas.openxmlformats.org/drawingml/2006/main" xmlns:r="http://schemas.openxmlformats.org/officeDocument/2006/relationships" xmlns:p="http://schemas.openxmlformats.org/presentationml/2006/main">
   <p:cSld>
+    <p:bg>
+      <p:bgPr>
+        <a:solidFill>
+          <a:schemeClr val="tx2">
+            <a:lumMod val="95000"/>
+            <a:lumOff val="5000"/>
+          </a:schemeClr>
+        </a:solidFill>
+        <a:effectLst/>
+      </p:bgPr>
+    </p:bg>
     <p:spTree>
       <p:nvGrpSpPr>
         <p:cNvPr id="1" name="">
@@ -12695,7 +13800,7 @@
           <a:p>
             <a:r>
               <a:rPr lang="en-US" dirty="0"/>
-              <a:t>Reward Structure (Initial)</a:t>
+              <a:t>Reward Structure (Initial) – Video </a:t>
             </a:r>
           </a:p>
         </p:txBody>
@@ -12729,7 +13834,7 @@
               <a:pPr>
                 <a:defRPr/>
               </a:pPr>
-              <a:t>7</a:t>
+              <a:t>8</a:t>
             </a:fld>
             <a:endParaRPr lang="de-DE" dirty="0"/>
           </a:p>
@@ -12785,13 +13890,13 @@
   <p:clrMapOvr>
     <a:masterClrMapping/>
   </p:clrMapOvr>
-  <mc:AlternateContent xmlns:mc="http://schemas.openxmlformats.org/markup-compatibility/2006">
-    <mc:Choice xmlns:p14="http://schemas.microsoft.com/office/powerpoint/2010/main" Requires="p14">
+  <mc:AlternateContent xmlns:mc="http://schemas.openxmlformats.org/markup-compatibility/2006" xmlns:p14="http://schemas.microsoft.com/office/powerpoint/2010/main">
+    <mc:Choice Requires="p14">
       <p:transition spd="med" p14:dur="700">
         <p:fade/>
       </p:transition>
     </mc:Choice>
-    <mc:Fallback>
+    <mc:Fallback xmlns="">
       <p:transition spd="med">
         <p:fade/>
       </p:transition>
@@ -12803,7 +13908,74 @@
         <p:cTn id="1" dur="indefinite" restart="never" nodeType="tmRoot">
           <p:childTnLst>
             <p:seq concurrent="1" nextAc="seek">
-              <p:cTn id="2" restart="whenNotActive" fill="hold" evtFilter="cancelBubble" nodeType="interactiveSeq">
+              <p:cTn id="2" dur="indefinite" nodeType="mainSeq">
+                <p:childTnLst>
+                  <p:par>
+                    <p:cTn id="3" fill="hold">
+                      <p:stCondLst>
+                        <p:cond delay="indefinite"/>
+                      </p:stCondLst>
+                      <p:childTnLst>
+                        <p:par>
+                          <p:cTn id="4" fill="hold">
+                            <p:stCondLst>
+                              <p:cond delay="0"/>
+                            </p:stCondLst>
+                            <p:childTnLst>
+                              <p:par>
+                                <p:cTn id="5" presetID="1" presetClass="mediacall" presetSubtype="0" fill="hold" nodeType="clickEffect">
+                                  <p:stCondLst>
+                                    <p:cond delay="0"/>
+                                  </p:stCondLst>
+                                  <p:childTnLst>
+                                    <p:cmd type="call" cmd="playFrom(0.0)">
+                                      <p:cBhvr>
+                                        <p:cTn id="6" dur="4656" fill="hold"/>
+                                        <p:tgtEl>
+                                          <p:spTgt spid="11"/>
+                                        </p:tgtEl>
+                                      </p:cBhvr>
+                                    </p:cmd>
+                                  </p:childTnLst>
+                                </p:cTn>
+                              </p:par>
+                            </p:childTnLst>
+                          </p:cTn>
+                        </p:par>
+                      </p:childTnLst>
+                    </p:cTn>
+                  </p:par>
+                </p:childTnLst>
+              </p:cTn>
+              <p:prevCondLst>
+                <p:cond evt="onPrev" delay="0">
+                  <p:tgtEl>
+                    <p:sldTgt/>
+                  </p:tgtEl>
+                </p:cond>
+              </p:prevCondLst>
+              <p:nextCondLst>
+                <p:cond evt="onNext" delay="0">
+                  <p:tgtEl>
+                    <p:sldTgt/>
+                  </p:tgtEl>
+                </p:cond>
+              </p:nextCondLst>
+            </p:seq>
+            <p:video>
+              <p:cMediaNode vol="80000">
+                <p:cTn id="7" repeatCount="indefinite" fill="hold" display="0">
+                  <p:stCondLst>
+                    <p:cond delay="indefinite"/>
+                  </p:stCondLst>
+                </p:cTn>
+                <p:tgtEl>
+                  <p:spTgt spid="11"/>
+                </p:tgtEl>
+              </p:cMediaNode>
+            </p:video>
+            <p:seq concurrent="1" nextAc="seek">
+              <p:cTn id="8" restart="whenNotActive" fill="hold" evtFilter="cancelBubble" nodeType="interactiveSeq">
                 <p:stCondLst>
                   <p:cond evt="onClick" delay="0">
                     <p:tgtEl>
@@ -12816,26 +13988,26 @@
                 </p:endSync>
                 <p:childTnLst>
                   <p:par>
-                    <p:cTn id="3" fill="hold">
+                    <p:cTn id="9" fill="hold">
                       <p:stCondLst>
                         <p:cond delay="0"/>
                       </p:stCondLst>
                       <p:childTnLst>
                         <p:par>
-                          <p:cTn id="4" fill="hold">
+                          <p:cTn id="10" fill="hold">
                             <p:stCondLst>
                               <p:cond delay="0"/>
                             </p:stCondLst>
                             <p:childTnLst>
                               <p:par>
-                                <p:cTn id="5" presetID="2" presetClass="mediacall" presetSubtype="0" fill="hold" nodeType="clickEffect">
+                                <p:cTn id="11" presetID="2" presetClass="mediacall" presetSubtype="0" fill="hold" nodeType="clickEffect">
                                   <p:stCondLst>
                                     <p:cond delay="0"/>
                                   </p:stCondLst>
                                   <p:childTnLst>
                                     <p:cmd type="call" cmd="togglePause">
                                       <p:cBhvr>
-                                        <p:cTn id="6" dur="1" fill="hold"/>
+                                        <p:cTn id="12" dur="1" fill="hold"/>
                                         <p:tgtEl>
                                           <p:spTgt spid="11"/>
                                         </p:tgtEl>
@@ -12860,18 +14032,6 @@
                 </p:cond>
               </p:nextCondLst>
             </p:seq>
-            <p:video>
-              <p:cMediaNode vol="80000">
-                <p:cTn id="7" repeatCount="indefinite" fill="hold" display="0">
-                  <p:stCondLst>
-                    <p:cond delay="indefinite"/>
-                  </p:stCondLst>
-                </p:cTn>
-                <p:tgtEl>
-                  <p:spTgt spid="11"/>
-                </p:tgtEl>
-              </p:cMediaNode>
-            </p:video>
           </p:childTnLst>
         </p:cTn>
       </p:par>
@@ -12880,7 +14040,7 @@
 </p:sld>
 </file>
 
-<file path=ppt/slides/slide8.xml><?xml version="1.0" encoding="utf-8"?>
+<file path=ppt/slides/slide9.xml><?xml version="1.0" encoding="utf-8"?>
 <p:sld xmlns:a="http://schemas.openxmlformats.org/drawingml/2006/main" xmlns:r="http://schemas.openxmlformats.org/officeDocument/2006/relationships" xmlns:p="http://schemas.openxmlformats.org/presentationml/2006/main">
   <p:cSld>
     <p:spTree>
@@ -12956,7 +14116,7 @@
           <a:p>
             <a:r>
               <a:rPr lang="en-US" dirty="0"/>
-              <a:t>Reward Structure (Initial) - Observation</a:t>
+              <a:t>Reward Structure (Initial) – Observation </a:t>
             </a:r>
           </a:p>
         </p:txBody>
@@ -12990,7 +14150,7 @@
               <a:pPr>
                 <a:defRPr/>
               </a:pPr>
-              <a:t>8</a:t>
+              <a:t>9</a:t>
             </a:fld>
             <a:endParaRPr lang="de-DE" dirty="0"/>
           </a:p>
@@ -13113,7 +14273,7 @@
                     <a:bodyPr/>
                     <a:lstStyle/>
                     <a:p>
-                      <a:endParaRPr lang="en-US"/>
+                      <a:endParaRPr lang="en-US" dirty="0"/>
                     </a:p>
                   </a:txBody>
                   <a:tcPr/>
@@ -13289,611 +14449,13 @@
   <p:clrMapOvr>
     <a:masterClrMapping/>
   </p:clrMapOvr>
-  <mc:AlternateContent xmlns:mc="http://schemas.openxmlformats.org/markup-compatibility/2006">
-    <mc:Choice xmlns:p14="http://schemas.microsoft.com/office/powerpoint/2010/main" Requires="p14">
+  <mc:AlternateContent xmlns:mc="http://schemas.openxmlformats.org/markup-compatibility/2006" xmlns:p14="http://schemas.microsoft.com/office/powerpoint/2010/main">
+    <mc:Choice Requires="p14">
       <p:transition spd="med" p14:dur="700">
         <p:fade/>
       </p:transition>
     </mc:Choice>
-    <mc:Fallback>
-      <p:transition spd="med">
-        <p:fade/>
-      </p:transition>
-    </mc:Fallback>
-  </mc:AlternateContent>
-</p:sld>
-</file>
-
-<file path=ppt/slides/slide9.xml><?xml version="1.0" encoding="utf-8"?>
-<p:sld xmlns:a="http://schemas.openxmlformats.org/drawingml/2006/main" xmlns:r="http://schemas.openxmlformats.org/officeDocument/2006/relationships" xmlns:p="http://schemas.openxmlformats.org/presentationml/2006/main">
-  <p:cSld>
-    <p:spTree>
-      <p:nvGrpSpPr>
-        <p:cNvPr id="1" name="">
-          <a:extLst>
-            <a:ext uri="{FF2B5EF4-FFF2-40B4-BE49-F238E27FC236}">
-              <a16:creationId xmlns:a16="http://schemas.microsoft.com/office/drawing/2014/main" id="{5FC5FC67-7F02-B746-313C-59F89D11DDAE}"/>
-            </a:ext>
-          </a:extLst>
-        </p:cNvPr>
-        <p:cNvGrpSpPr/>
-        <p:nvPr/>
-      </p:nvGrpSpPr>
-      <p:grpSpPr>
-        <a:xfrm>
-          <a:off x="0" y="0"/>
-          <a:ext cx="0" cy="0"/>
-          <a:chOff x="0" y="0"/>
-          <a:chExt cx="0" cy="0"/>
-        </a:xfrm>
-      </p:grpSpPr>
-      <p:sp>
-        <p:nvSpPr>
-          <p:cNvPr id="2" name="Text Placeholder 1">
-            <a:extLst>
-              <a:ext uri="{FF2B5EF4-FFF2-40B4-BE49-F238E27FC236}">
-                <a16:creationId xmlns:a16="http://schemas.microsoft.com/office/drawing/2014/main" id="{C95F50D4-E6B6-10F0-1113-86A34CE977D3}"/>
-              </a:ext>
-            </a:extLst>
-          </p:cNvPr>
-          <p:cNvSpPr>
-            <a:spLocks noGrp="1"/>
-          </p:cNvSpPr>
-          <p:nvPr>
-            <p:ph type="body" sz="quarter" idx="15"/>
-          </p:nvPr>
-        </p:nvSpPr>
-        <p:spPr>
-          <a:xfrm>
-            <a:off x="408971" y="1358029"/>
-            <a:ext cx="3707315" cy="4917063"/>
-          </a:xfrm>
-        </p:spPr>
-        <p:txBody>
-          <a:bodyPr/>
-          <a:lstStyle/>
-          <a:p>
-            <a:r>
-              <a:rPr lang="en-US" sz="1400" dirty="0"/>
-              <a:t>Final Reward Structure:</a:t>
-            </a:r>
-          </a:p>
-          <a:p>
-            <a:r>
-              <a:rPr lang="en-US" sz="1400" dirty="0">
-                <a:solidFill>
-                  <a:schemeClr val="tx2"/>
-                </a:solidFill>
-              </a:rPr>
-              <a:t>Reward = 0</a:t>
-            </a:r>
-          </a:p>
-          <a:p>
-            <a:r>
-              <a:rPr lang="en-US" sz="1400" dirty="0">
-                <a:solidFill>
-                  <a:schemeClr val="tx2"/>
-                </a:solidFill>
-              </a:rPr>
-              <a:t>Step = 0</a:t>
-            </a:r>
-          </a:p>
-          <a:p>
-            <a:r>
-              <a:rPr lang="en-US" sz="1400" dirty="0">
-                <a:solidFill>
-                  <a:schemeClr val="tx2"/>
-                </a:solidFill>
-              </a:rPr>
-              <a:t>For each step:</a:t>
-            </a:r>
-          </a:p>
-          <a:p>
-            <a:r>
-              <a:rPr lang="en-US" sz="1400" dirty="0">
-                <a:solidFill>
-                  <a:schemeClr val="tx2"/>
-                </a:solidFill>
-              </a:rPr>
-              <a:t>	Calculate Old Distance from Goal</a:t>
-            </a:r>
-          </a:p>
-          <a:p>
-            <a:r>
-              <a:rPr lang="en-US" sz="1400" dirty="0">
-                <a:solidFill>
-                  <a:schemeClr val="tx2"/>
-                </a:solidFill>
-              </a:rPr>
-              <a:t>	Step++</a:t>
-            </a:r>
-          </a:p>
-          <a:p>
-            <a:r>
-              <a:rPr lang="en-US" sz="1400" dirty="0">
-                <a:solidFill>
-                  <a:schemeClr val="tx2"/>
-                </a:solidFill>
-              </a:rPr>
-              <a:t>	Calculate New Distance from Goal</a:t>
-            </a:r>
-          </a:p>
-          <a:p>
-            <a:r>
-              <a:rPr lang="en-US" sz="1400" dirty="0">
-                <a:solidFill>
-                  <a:schemeClr val="tx2"/>
-                </a:solidFill>
-              </a:rPr>
-              <a:t>	New Distance &gt; Old Distance: </a:t>
-            </a:r>
-          </a:p>
-          <a:p>
-            <a:r>
-              <a:rPr lang="en-US" sz="1400" dirty="0">
-                <a:solidFill>
-                  <a:schemeClr val="tx2"/>
-                </a:solidFill>
-              </a:rPr>
-              <a:t>		bonus = 0.1</a:t>
-            </a:r>
-          </a:p>
-          <a:p>
-            <a:r>
-              <a:rPr lang="en-US" sz="1400" dirty="0">
-                <a:solidFill>
-                  <a:schemeClr val="tx2"/>
-                </a:solidFill>
-              </a:rPr>
-              <a:t>	New Distance &lt; Old Distance: </a:t>
-            </a:r>
-          </a:p>
-          <a:p>
-            <a:r>
-              <a:rPr lang="en-US" sz="1400" dirty="0">
-                <a:solidFill>
-                  <a:schemeClr val="tx2"/>
-                </a:solidFill>
-              </a:rPr>
-              <a:t>		 bonus = -0.2</a:t>
-            </a:r>
-          </a:p>
-          <a:p>
-            <a:r>
-              <a:rPr lang="en-US" sz="1400" dirty="0">
-                <a:solidFill>
-                  <a:schemeClr val="tx2"/>
-                </a:solidFill>
-              </a:rPr>
-              <a:t>	New Distance == Old Distance: </a:t>
-            </a:r>
-          </a:p>
-          <a:p>
-            <a:r>
-              <a:rPr lang="en-US" sz="1400" dirty="0">
-                <a:solidFill>
-                  <a:schemeClr val="tx2"/>
-                </a:solidFill>
-              </a:rPr>
-              <a:t>		 bonus = 0</a:t>
-            </a:r>
-          </a:p>
-        </p:txBody>
-      </p:sp>
-      <p:sp>
-        <p:nvSpPr>
-          <p:cNvPr id="3" name="Title 2">
-            <a:extLst>
-              <a:ext uri="{FF2B5EF4-FFF2-40B4-BE49-F238E27FC236}">
-                <a16:creationId xmlns:a16="http://schemas.microsoft.com/office/drawing/2014/main" id="{7AAF717E-7054-AE9E-1942-1E3A3D277614}"/>
-              </a:ext>
-            </a:extLst>
-          </p:cNvPr>
-          <p:cNvSpPr>
-            <a:spLocks noGrp="1"/>
-          </p:cNvSpPr>
-          <p:nvPr>
-            <p:ph type="title"/>
-          </p:nvPr>
-        </p:nvSpPr>
-        <p:spPr/>
-        <p:txBody>
-          <a:bodyPr>
-            <a:normAutofit fontScale="90000"/>
-          </a:bodyPr>
-          <a:lstStyle/>
-          <a:p>
-            <a:r>
-              <a:rPr lang="en-US" dirty="0"/>
-              <a:t>Environment Overview</a:t>
-            </a:r>
-          </a:p>
-        </p:txBody>
-      </p:sp>
-      <p:sp>
-        <p:nvSpPr>
-          <p:cNvPr id="4" name="Subtitle 3">
-            <a:extLst>
-              <a:ext uri="{FF2B5EF4-FFF2-40B4-BE49-F238E27FC236}">
-                <a16:creationId xmlns:a16="http://schemas.microsoft.com/office/drawing/2014/main" id="{39006885-9C57-68AF-DA15-D092F49E0F3B}"/>
-              </a:ext>
-            </a:extLst>
-          </p:cNvPr>
-          <p:cNvSpPr>
-            <a:spLocks noGrp="1"/>
-          </p:cNvSpPr>
-          <p:nvPr>
-            <p:ph type="subTitle" idx="1"/>
-          </p:nvPr>
-        </p:nvSpPr>
-        <p:spPr/>
-        <p:txBody>
-          <a:bodyPr/>
-          <a:lstStyle/>
-          <a:p>
-            <a:r>
-              <a:rPr lang="en-US" dirty="0"/>
-              <a:t>Reward Structure (Reshaped - Final)</a:t>
-            </a:r>
-          </a:p>
-        </p:txBody>
-      </p:sp>
-      <p:sp>
-        <p:nvSpPr>
-          <p:cNvPr id="5" name="Slide Number Placeholder 4">
-            <a:extLst>
-              <a:ext uri="{FF2B5EF4-FFF2-40B4-BE49-F238E27FC236}">
-                <a16:creationId xmlns:a16="http://schemas.microsoft.com/office/drawing/2014/main" id="{99BFD3B1-F4F3-3551-7521-068CE55EE596}"/>
-              </a:ext>
-            </a:extLst>
-          </p:cNvPr>
-          <p:cNvSpPr>
-            <a:spLocks noGrp="1"/>
-          </p:cNvSpPr>
-          <p:nvPr>
-            <p:ph type="sldNum" sz="quarter" idx="16"/>
-          </p:nvPr>
-        </p:nvSpPr>
-        <p:spPr/>
-        <p:txBody>
-          <a:bodyPr/>
-          <a:lstStyle/>
-          <a:p>
-            <a:pPr>
-              <a:defRPr/>
-            </a:pPr>
-            <a:fld id="{FBA07125-F287-674A-B4D8-FED3251FDE20}" type="slidenum">
-              <a:rPr lang="de-DE" smtClean="0"/>
-              <a:pPr>
-                <a:defRPr/>
-              </a:pPr>
-              <a:t>9</a:t>
-            </a:fld>
-            <a:endParaRPr lang="de-DE" dirty="0"/>
-          </a:p>
-        </p:txBody>
-      </p:sp>
-      <p:sp>
-        <p:nvSpPr>
-          <p:cNvPr id="6" name="Text Placeholder 1">
-            <a:extLst>
-              <a:ext uri="{FF2B5EF4-FFF2-40B4-BE49-F238E27FC236}">
-                <a16:creationId xmlns:a16="http://schemas.microsoft.com/office/drawing/2014/main" id="{A15BC597-E813-1FAA-AEFB-CB325CBE9C65}"/>
-              </a:ext>
-            </a:extLst>
-          </p:cNvPr>
-          <p:cNvSpPr txBox="1">
-            <a:spLocks/>
-          </p:cNvSpPr>
-          <p:nvPr/>
-        </p:nvSpPr>
-        <p:spPr bwMode="auto">
-          <a:xfrm>
-            <a:off x="4368401" y="1348503"/>
-            <a:ext cx="5356624" cy="4917063"/>
-          </a:xfrm>
-          <a:prstGeom prst="rect">
-            <a:avLst/>
-          </a:prstGeom>
-          <a:noFill/>
-          <a:ln>
-            <a:noFill/>
-          </a:ln>
-          <a:extLst>
-            <a:ext uri="{909E8E84-426E-40dd-AFC4-6F175D3DCCD1}">
-              <a14:hiddenFill xmlns:a14="http://schemas.microsoft.com/office/drawing/2010/main" xmlns="">
-                <a:solidFill>
-                  <a:srgbClr val="FFFFFF"/>
-                </a:solidFill>
-              </a14:hiddenFill>
-            </a:ext>
-            <a:ext uri="{91240B29-F687-4f45-9708-019B960494DF}">
-              <a14:hiddenLine xmlns:a14="http://schemas.microsoft.com/office/drawing/2010/main" xmlns="" w="9525">
-                <a:solidFill>
-                  <a:srgbClr val="000000"/>
-                </a:solidFill>
-                <a:miter lim="800000"/>
-                <a:headEnd/>
-                <a:tailEnd/>
-              </a14:hiddenLine>
-            </a:ext>
-            <a:ext uri="{FAA26D3D-D897-4be2-8F04-BA451C77F1D7}">
-              <ma14:placeholderFlag xmlns:ma14="http://schemas.microsoft.com/office/mac/drawingml/2011/main" xmlns="" val="1"/>
-            </a:ext>
-          </a:extLst>
-        </p:spPr>
-        <p:txBody>
-          <a:bodyPr vert="horz" wrap="square" lIns="0" tIns="0" rIns="0" bIns="0" numCol="1" anchor="t" anchorCtr="0" compatLnSpc="1">
-            <a:prstTxWarp prst="textNoShape">
-              <a:avLst/>
-            </a:prstTxWarp>
-          </a:bodyPr>
-          <a:lstStyle>
-            <a:lvl1pPr marL="0" indent="0" algn="l" defTabSz="457200" rtl="0" fontAlgn="base">
-              <a:lnSpc>
-                <a:spcPct val="150000"/>
-              </a:lnSpc>
-              <a:spcBef>
-                <a:spcPts val="0"/>
-              </a:spcBef>
-              <a:spcAft>
-                <a:spcPct val="0"/>
-              </a:spcAft>
-              <a:buSzPct val="100000"/>
-              <a:buFontTx/>
-              <a:buNone/>
-              <a:defRPr sz="1200" b="0" kern="0" baseline="0">
-                <a:solidFill>
-                  <a:schemeClr val="tx1"/>
-                </a:solidFill>
-                <a:latin typeface="Arial"/>
-                <a:ea typeface="ＭＳ Ｐゴシック" charset="0"/>
-                <a:cs typeface="ＭＳ Ｐゴシック" charset="0"/>
-              </a:defRPr>
-            </a:lvl1pPr>
-            <a:lvl2pPr marL="742950" indent="-285750" algn="l" defTabSz="457200" rtl="0" fontAlgn="base">
-              <a:lnSpc>
-                <a:spcPct val="150000"/>
-              </a:lnSpc>
-              <a:spcBef>
-                <a:spcPct val="0"/>
-              </a:spcBef>
-              <a:spcAft>
-                <a:spcPct val="0"/>
-              </a:spcAft>
-              <a:buSzPct val="100000"/>
-              <a:buFontTx/>
-              <a:buBlip>
-                <a:blip r:embed="rId2"/>
-              </a:buBlip>
-              <a:defRPr sz="1400" baseline="0">
-                <a:solidFill>
-                  <a:schemeClr val="tx1"/>
-                </a:solidFill>
-                <a:latin typeface="Arial"/>
-                <a:ea typeface="ＭＳ Ｐゴシック" charset="0"/>
-                <a:cs typeface="+mn-cs"/>
-              </a:defRPr>
-            </a:lvl2pPr>
-            <a:lvl3pPr marL="1143000" indent="-228600" algn="l" defTabSz="457200" rtl="0" fontAlgn="base">
-              <a:lnSpc>
-                <a:spcPct val="150000"/>
-              </a:lnSpc>
-              <a:spcBef>
-                <a:spcPct val="0"/>
-              </a:spcBef>
-              <a:spcAft>
-                <a:spcPct val="0"/>
-              </a:spcAft>
-              <a:buSzPct val="100000"/>
-              <a:buFontTx/>
-              <a:buBlip>
-                <a:blip r:embed="rId2"/>
-              </a:buBlip>
-              <a:defRPr sz="1400" baseline="0">
-                <a:solidFill>
-                  <a:schemeClr val="tx1"/>
-                </a:solidFill>
-                <a:latin typeface="Arial"/>
-                <a:ea typeface="ＭＳ Ｐゴシック" charset="0"/>
-                <a:cs typeface="+mn-cs"/>
-              </a:defRPr>
-            </a:lvl3pPr>
-            <a:lvl4pPr marL="1600200" indent="-228600" algn="l" defTabSz="457200" rtl="0" fontAlgn="base">
-              <a:lnSpc>
-                <a:spcPct val="150000"/>
-              </a:lnSpc>
-              <a:spcBef>
-                <a:spcPct val="0"/>
-              </a:spcBef>
-              <a:spcAft>
-                <a:spcPct val="0"/>
-              </a:spcAft>
-              <a:buSzPct val="100000"/>
-              <a:buFontTx/>
-              <a:buBlip>
-                <a:blip r:embed="rId2"/>
-              </a:buBlip>
-              <a:defRPr sz="1400" baseline="0">
-                <a:solidFill>
-                  <a:schemeClr val="tx1"/>
-                </a:solidFill>
-                <a:latin typeface="Arial"/>
-                <a:ea typeface="ＭＳ Ｐゴシック" charset="0"/>
-                <a:cs typeface="+mn-cs"/>
-              </a:defRPr>
-            </a:lvl4pPr>
-            <a:lvl5pPr marL="2057400" indent="-228600" algn="l" defTabSz="457200" rtl="0" fontAlgn="base">
-              <a:lnSpc>
-                <a:spcPct val="150000"/>
-              </a:lnSpc>
-              <a:spcBef>
-                <a:spcPct val="0"/>
-              </a:spcBef>
-              <a:spcAft>
-                <a:spcPct val="0"/>
-              </a:spcAft>
-              <a:buSzPct val="100000"/>
-              <a:buFontTx/>
-              <a:buBlip>
-                <a:blip r:embed="rId2"/>
-              </a:buBlip>
-              <a:defRPr sz="1400" baseline="0">
-                <a:solidFill>
-                  <a:schemeClr val="tx1"/>
-                </a:solidFill>
-                <a:latin typeface="Arial"/>
-                <a:ea typeface="ＭＳ Ｐゴシック" charset="0"/>
-                <a:cs typeface="+mn-cs"/>
-              </a:defRPr>
-            </a:lvl5pPr>
-            <a:lvl6pPr marL="2514600" indent="-228600" algn="l" defTabSz="457200" rtl="0" eaLnBrk="1" latinLnBrk="0" hangingPunct="1">
-              <a:spcBef>
-                <a:spcPct val="20000"/>
-              </a:spcBef>
-              <a:buFont typeface="Arial"/>
-              <a:buChar char="•"/>
-              <a:defRPr sz="2000" kern="1200">
-                <a:solidFill>
-                  <a:schemeClr val="tx1"/>
-                </a:solidFill>
-                <a:latin typeface="+mn-lt"/>
-                <a:ea typeface="+mn-ea"/>
-                <a:cs typeface="+mn-cs"/>
-              </a:defRPr>
-            </a:lvl6pPr>
-            <a:lvl7pPr marL="2971800" indent="-228600" algn="l" defTabSz="457200" rtl="0" eaLnBrk="1" latinLnBrk="0" hangingPunct="1">
-              <a:spcBef>
-                <a:spcPct val="20000"/>
-              </a:spcBef>
-              <a:buFont typeface="Arial"/>
-              <a:buChar char="•"/>
-              <a:defRPr sz="2000" kern="1200">
-                <a:solidFill>
-                  <a:schemeClr val="tx1"/>
-                </a:solidFill>
-                <a:latin typeface="+mn-lt"/>
-                <a:ea typeface="+mn-ea"/>
-                <a:cs typeface="+mn-cs"/>
-              </a:defRPr>
-            </a:lvl7pPr>
-            <a:lvl8pPr marL="3429000" indent="-228600" algn="l" defTabSz="457200" rtl="0" eaLnBrk="1" latinLnBrk="0" hangingPunct="1">
-              <a:spcBef>
-                <a:spcPct val="20000"/>
-              </a:spcBef>
-              <a:buFont typeface="Arial"/>
-              <a:buChar char="•"/>
-              <a:defRPr sz="2000" kern="1200">
-                <a:solidFill>
-                  <a:schemeClr val="tx1"/>
-                </a:solidFill>
-                <a:latin typeface="+mn-lt"/>
-                <a:ea typeface="+mn-ea"/>
-                <a:cs typeface="+mn-cs"/>
-              </a:defRPr>
-            </a:lvl8pPr>
-            <a:lvl9pPr marL="3886200" indent="-228600" algn="l" defTabSz="457200" rtl="0" eaLnBrk="1" latinLnBrk="0" hangingPunct="1">
-              <a:spcBef>
-                <a:spcPct val="20000"/>
-              </a:spcBef>
-              <a:buFont typeface="Arial"/>
-              <a:buChar char="•"/>
-              <a:defRPr sz="2000" kern="1200">
-                <a:solidFill>
-                  <a:schemeClr val="tx1"/>
-                </a:solidFill>
-                <a:latin typeface="+mn-lt"/>
-                <a:ea typeface="+mn-ea"/>
-                <a:cs typeface="+mn-cs"/>
-              </a:defRPr>
-            </a:lvl9pPr>
-          </a:lstStyle>
-          <a:p>
-            <a:r>
-              <a:rPr lang="en-US" sz="1400" dirty="0">
-                <a:solidFill>
-                  <a:schemeClr val="tx2"/>
-                </a:solidFill>
-              </a:rPr>
-              <a:t>Player reaches goal:</a:t>
-            </a:r>
-          </a:p>
-          <a:p>
-            <a:r>
-              <a:rPr lang="en-US" sz="1400" dirty="0">
-                <a:solidFill>
-                  <a:schemeClr val="tx2"/>
-                </a:solidFill>
-              </a:rPr>
-              <a:t>	Reward += 10 - (Step/ 100)</a:t>
-            </a:r>
-          </a:p>
-          <a:p>
-            <a:r>
-              <a:rPr lang="en-US" sz="1400" dirty="0">
-                <a:solidFill>
-                  <a:schemeClr val="tx2"/>
-                </a:solidFill>
-              </a:rPr>
-              <a:t>Player got defended by defender/goalkeeper:</a:t>
-            </a:r>
-          </a:p>
-          <a:p>
-            <a:r>
-              <a:rPr lang="en-US" sz="1400" dirty="0">
-                <a:solidFill>
-                  <a:schemeClr val="tx2"/>
-                </a:solidFill>
-              </a:rPr>
-              <a:t>	Reward = abs(Reward) * (-1) - 10 - (Step / 100)</a:t>
-            </a:r>
-          </a:p>
-          <a:p>
-            <a:r>
-              <a:rPr lang="en-US" sz="1400" dirty="0">
-                <a:solidFill>
-                  <a:schemeClr val="tx2"/>
-                </a:solidFill>
-              </a:rPr>
-              <a:t>Otherwise:</a:t>
-            </a:r>
-          </a:p>
-          <a:p>
-            <a:r>
-              <a:rPr lang="en-US" sz="1400" dirty="0">
-                <a:solidFill>
-                  <a:schemeClr val="tx2"/>
-                </a:solidFill>
-              </a:rPr>
-              <a:t>	Reward += bonus - (Step / 100)</a:t>
-            </a:r>
-          </a:p>
-          <a:p>
-            <a:endParaRPr lang="en-US" sz="1400" dirty="0">
-              <a:solidFill>
-                <a:schemeClr val="tx2"/>
-              </a:solidFill>
-            </a:endParaRPr>
-          </a:p>
-        </p:txBody>
-      </p:sp>
-    </p:spTree>
-    <p:extLst>
-      <p:ext uri="{BB962C8B-B14F-4D97-AF65-F5344CB8AC3E}">
-        <p14:creationId xmlns:p14="http://schemas.microsoft.com/office/powerpoint/2010/main" val="3369045549"/>
-      </p:ext>
-    </p:extLst>
-  </p:cSld>
-  <p:clrMapOvr>
-    <a:masterClrMapping/>
-  </p:clrMapOvr>
-  <mc:AlternateContent xmlns:mc="http://schemas.openxmlformats.org/markup-compatibility/2006">
-    <mc:Choice xmlns:p14="http://schemas.microsoft.com/office/powerpoint/2010/main" Requires="p14">
-      <p:transition spd="med" p14:dur="700">
-        <p:fade/>
-      </p:transition>
-    </mc:Choice>
-    <mc:Fallback>
+    <mc:Fallback xmlns="">
       <p:transition spd="med">
         <p:fade/>
       </p:transition>

--- a/Presentation and submission/PADM_00170500.pptx
+++ b/Presentation and submission/PADM_00170500.pptx
@@ -228,7 +228,7 @@
           <a:p>
             <a:fld id="{8A39E342-F6A9-4F29-9B27-B9C233E73F2C}" type="datetimeFigureOut">
               <a:rPr lang="de-DE" smtClean="0"/>
-              <a:t>21.07.2025</a:t>
+              <a:t>22.07.2025</a:t>
             </a:fld>
             <a:endParaRPr lang="de-DE"/>
           </a:p>
@@ -4969,14 +4969,14 @@
           </a:ln>
           <a:extLst>
             <a:ext uri="{909E8E84-426E-40dd-AFC4-6F175D3DCCD1}">
-              <a14:hiddenFill xmlns:a14="http://schemas.microsoft.com/office/drawing/2010/main" xmlns="">
+              <a14:hiddenFill xmlns="" xmlns:a14="http://schemas.microsoft.com/office/drawing/2010/main">
                 <a:solidFill>
                   <a:srgbClr val="FFFFFF"/>
                 </a:solidFill>
               </a14:hiddenFill>
             </a:ext>
             <a:ext uri="{91240B29-F687-4f45-9708-019B960494DF}">
-              <a14:hiddenLine xmlns:a14="http://schemas.microsoft.com/office/drawing/2010/main" xmlns="" w="9525">
+              <a14:hiddenLine xmlns="" xmlns:a14="http://schemas.microsoft.com/office/drawing/2010/main" w="9525">
                 <a:solidFill>
                   <a:srgbClr val="000000"/>
                 </a:solidFill>
@@ -4986,7 +4986,7 @@
               </a14:hiddenLine>
             </a:ext>
             <a:ext uri="{FAA26D3D-D897-4be2-8F04-BA451C77F1D7}">
-              <ma14:placeholderFlag xmlns:ma14="http://schemas.microsoft.com/office/mac/drawingml/2011/main" xmlns="" val="1"/>
+              <ma14:placeholderFlag xmlns="" xmlns:ma14="http://schemas.microsoft.com/office/mac/drawingml/2011/main" val="1"/>
             </a:ext>
           </a:extLst>
         </p:spPr>
@@ -5030,14 +5030,14 @@
           </a:ln>
           <a:extLst>
             <a:ext uri="{909E8E84-426E-40dd-AFC4-6F175D3DCCD1}">
-              <a14:hiddenFill xmlns:a14="http://schemas.microsoft.com/office/drawing/2010/main" xmlns="">
+              <a14:hiddenFill xmlns="" xmlns:a14="http://schemas.microsoft.com/office/drawing/2010/main">
                 <a:solidFill>
                   <a:srgbClr val="FFFFFF"/>
                 </a:solidFill>
               </a14:hiddenFill>
             </a:ext>
             <a:ext uri="{91240B29-F687-4f45-9708-019B960494DF}">
-              <a14:hiddenLine xmlns:a14="http://schemas.microsoft.com/office/drawing/2010/main" xmlns="" w="9525">
+              <a14:hiddenLine xmlns="" xmlns:a14="http://schemas.microsoft.com/office/drawing/2010/main" w="9525">
                 <a:solidFill>
                   <a:srgbClr val="000000"/>
                 </a:solidFill>
@@ -5047,7 +5047,7 @@
               </a14:hiddenLine>
             </a:ext>
             <a:ext uri="{FAA26D3D-D897-4be2-8F04-BA451C77F1D7}">
-              <ma14:placeholderFlag xmlns:ma14="http://schemas.microsoft.com/office/mac/drawingml/2011/main" xmlns="" val="1"/>
+              <ma14:placeholderFlag xmlns="" xmlns:ma14="http://schemas.microsoft.com/office/mac/drawingml/2011/main" val="1"/>
             </a:ext>
           </a:extLst>
         </p:spPr>
@@ -5171,14 +5171,14 @@
           </a:ln>
           <a:extLst>
             <a:ext uri="{909E8E84-426E-40dd-AFC4-6F175D3DCCD1}">
-              <a14:hiddenFill xmlns:a14="http://schemas.microsoft.com/office/drawing/2010/main" xmlns="">
+              <a14:hiddenFill xmlns="" xmlns:a14="http://schemas.microsoft.com/office/drawing/2010/main">
                 <a:solidFill>
                   <a:srgbClr val="FFFFFF"/>
                 </a:solidFill>
               </a14:hiddenFill>
             </a:ext>
             <a:ext uri="{91240B29-F687-4f45-9708-019B960494DF}">
-              <a14:hiddenLine xmlns:a14="http://schemas.microsoft.com/office/drawing/2010/main" xmlns="" w="9525">
+              <a14:hiddenLine xmlns="" xmlns:a14="http://schemas.microsoft.com/office/drawing/2010/main" w="9525">
                 <a:solidFill>
                   <a:srgbClr val="000000"/>
                 </a:solidFill>
@@ -6620,14 +6620,14 @@
           </a:ln>
           <a:extLst>
             <a:ext uri="{909E8E84-426E-40dd-AFC4-6F175D3DCCD1}">
-              <a14:hiddenFill xmlns:a14="http://schemas.microsoft.com/office/drawing/2010/main" xmlns="">
+              <a14:hiddenFill xmlns="" xmlns:a14="http://schemas.microsoft.com/office/drawing/2010/main">
                 <a:solidFill>
                   <a:srgbClr val="FFFFFF"/>
                 </a:solidFill>
               </a14:hiddenFill>
             </a:ext>
             <a:ext uri="{91240B29-F687-4f45-9708-019B960494DF}">
-              <a14:hiddenLine xmlns:a14="http://schemas.microsoft.com/office/drawing/2010/main" xmlns="" w="9525">
+              <a14:hiddenLine xmlns="" xmlns:a14="http://schemas.microsoft.com/office/drawing/2010/main" w="9525">
                 <a:solidFill>
                   <a:srgbClr val="000000"/>
                 </a:solidFill>
@@ -6637,7 +6637,7 @@
               </a14:hiddenLine>
             </a:ext>
             <a:ext uri="{FAA26D3D-D897-4be2-8F04-BA451C77F1D7}">
-              <ma14:placeholderFlag xmlns:ma14="http://schemas.microsoft.com/office/mac/drawingml/2011/main" xmlns="" val="1"/>
+              <ma14:placeholderFlag xmlns="" xmlns:ma14="http://schemas.microsoft.com/office/mac/drawingml/2011/main" val="1"/>
             </a:ext>
           </a:extLst>
         </p:spPr>
@@ -7261,14 +7261,14 @@
             </a:ln>
             <a:extLst>
               <a:ext uri="{909E8E84-426E-40dd-AFC4-6F175D3DCCD1}">
-                <a14:hiddenFill xmlns="" xmlns:a14="http://schemas.microsoft.com/office/drawing/2010/main">
+                <a14:hiddenFill xmlns:a14="http://schemas.microsoft.com/office/drawing/2010/main" xmlns="">
                   <a:solidFill>
                     <a:srgbClr val="FFFFFF"/>
                   </a:solidFill>
                 </a14:hiddenFill>
               </a:ext>
               <a:ext uri="{91240B29-F687-4f45-9708-019B960494DF}">
-                <a14:hiddenLine xmlns="" xmlns:a14="http://schemas.microsoft.com/office/drawing/2010/main" w="9525">
+                <a14:hiddenLine xmlns:a14="http://schemas.microsoft.com/office/drawing/2010/main" xmlns="" w="9525">
                   <a:solidFill>
                     <a:srgbClr val="000000"/>
                   </a:solidFill>
@@ -7278,7 +7278,7 @@
                 </a14:hiddenLine>
               </a:ext>
               <a:ext uri="{FAA26D3D-D897-4be2-8F04-BA451C77F1D7}">
-                <ma14:placeholderFlag xmlns="" xmlns:ma14="http://schemas.microsoft.com/office/mac/drawingml/2011/main" val="1"/>
+                <ma14:placeholderFlag xmlns:ma14="http://schemas.microsoft.com/office/mac/drawingml/2011/main" xmlns="" val="1"/>
               </a:ext>
             </a:extLst>
           </p:spPr>
@@ -9183,14 +9183,14 @@
           </a:ln>
           <a:extLst>
             <a:ext uri="{909E8E84-426E-40dd-AFC4-6F175D3DCCD1}">
-              <a14:hiddenFill xmlns:a14="http://schemas.microsoft.com/office/drawing/2010/main" xmlns="">
+              <a14:hiddenFill xmlns="" xmlns:a14="http://schemas.microsoft.com/office/drawing/2010/main">
                 <a:solidFill>
                   <a:srgbClr val="FFFFFF"/>
                 </a:solidFill>
               </a14:hiddenFill>
             </a:ext>
             <a:ext uri="{91240B29-F687-4f45-9708-019B960494DF}">
-              <a14:hiddenLine xmlns:a14="http://schemas.microsoft.com/office/drawing/2010/main" xmlns="" w="9525">
+              <a14:hiddenLine xmlns="" xmlns:a14="http://schemas.microsoft.com/office/drawing/2010/main" w="9525">
                 <a:solidFill>
                   <a:srgbClr val="000000"/>
                 </a:solidFill>
@@ -9200,7 +9200,7 @@
               </a14:hiddenLine>
             </a:ext>
             <a:ext uri="{FAA26D3D-D897-4be2-8F04-BA451C77F1D7}">
-              <ma14:placeholderFlag xmlns:ma14="http://schemas.microsoft.com/office/mac/drawingml/2011/main" xmlns="" val="1"/>
+              <ma14:placeholderFlag xmlns="" xmlns:ma14="http://schemas.microsoft.com/office/mac/drawingml/2011/main" val="1"/>
             </a:ext>
           </a:extLst>
         </p:spPr>
@@ -10330,9 +10330,10 @@
           <a:lstStyle/>
           <a:p>
             <a:r>
-              <a:rPr lang="en-US" dirty="0"/>
-              <a:t>Workflow</a:t>
-            </a:r>
+              <a:rPr lang="en-US"/>
+              <a:t>Development Cycle</a:t>
+            </a:r>
+            <a:endParaRPr lang="en-US" dirty="0"/>
           </a:p>
         </p:txBody>
       </p:sp>
@@ -13438,14 +13439,14 @@
             </a:ln>
             <a:extLst>
               <a:ext uri="{909E8E84-426E-40dd-AFC4-6F175D3DCCD1}">
-                <a14:hiddenFill xmlns:a14="http://schemas.microsoft.com/office/drawing/2010/main" xmlns="">
+                <a14:hiddenFill xmlns="" xmlns:a14="http://schemas.microsoft.com/office/drawing/2010/main">
                   <a:solidFill>
                     <a:srgbClr val="FFFFFF"/>
                   </a:solidFill>
                 </a14:hiddenFill>
               </a:ext>
               <a:ext uri="{91240B29-F687-4f45-9708-019B960494DF}">
-                <a14:hiddenLine xmlns:a14="http://schemas.microsoft.com/office/drawing/2010/main" xmlns="" w="9525">
+                <a14:hiddenLine xmlns="" xmlns:a14="http://schemas.microsoft.com/office/drawing/2010/main" w="9525">
                   <a:solidFill>
                     <a:srgbClr val="000000"/>
                   </a:solidFill>
@@ -13455,7 +13456,7 @@
                 </a14:hiddenLine>
               </a:ext>
               <a:ext uri="{FAA26D3D-D897-4be2-8F04-BA451C77F1D7}">
-                <ma14:placeholderFlag xmlns:ma14="http://schemas.microsoft.com/office/mac/drawingml/2011/main" xmlns="" val="1"/>
+                <ma14:placeholderFlag xmlns="" xmlns:ma14="http://schemas.microsoft.com/office/mac/drawingml/2011/main" val="1"/>
               </a:ext>
             </a:extLst>
           </p:spPr>
@@ -15347,14 +15348,112 @@
 
 <file path=customXml/item1.xml><?xml version="1.0" encoding="utf-8"?>
 <?mso-contentType ?>
-<FormTemplates xmlns="http://schemas.microsoft.com/sharepoint/v3/contenttype/forms">
-  <Display>DocumentLibraryForm</Display>
-  <Edit>DocumentLibraryForm</Edit>
-  <New>DocumentLibraryForm</New>
-</FormTemplates>
+<spe:Receivers xmlns:spe="http://schemas.microsoft.com/sharepoint/events">
+  <Receiver>
+    <Name>Document ID Generator</Name>
+    <Synchronization>Synchronous</Synchronization>
+    <Type>10001</Type>
+    <SequenceNumber>1000</SequenceNumber>
+    <Url/>
+    <Assembly>Microsoft.Office.DocumentManagement, Version=15.0.0.0, Culture=neutral, PublicKeyToken=71e9bce111e9429c</Assembly>
+    <Class>Microsoft.Office.DocumentManagement.Internal.DocIdHandler</Class>
+    <Data/>
+    <Filter/>
+  </Receiver>
+  <Receiver>
+    <Name>Document ID Generator</Name>
+    <Synchronization>Synchronous</Synchronization>
+    <Type>10002</Type>
+    <SequenceNumber>1001</SequenceNumber>
+    <Url/>
+    <Assembly>Microsoft.Office.DocumentManagement, Version=15.0.0.0, Culture=neutral, PublicKeyToken=71e9bce111e9429c</Assembly>
+    <Class>Microsoft.Office.DocumentManagement.Internal.DocIdHandler</Class>
+    <Data/>
+    <Filter/>
+  </Receiver>
+  <Receiver>
+    <Name>Document ID Generator</Name>
+    <Synchronization>Synchronous</Synchronization>
+    <Type>10004</Type>
+    <SequenceNumber>1002</SequenceNumber>
+    <Url/>
+    <Assembly>Microsoft.Office.DocumentManagement, Version=15.0.0.0, Culture=neutral, PublicKeyToken=71e9bce111e9429c</Assembly>
+    <Class>Microsoft.Office.DocumentManagement.Internal.DocIdHandler</Class>
+    <Data/>
+    <Filter/>
+  </Receiver>
+  <Receiver>
+    <Name>Document ID Generator</Name>
+    <Synchronization>Synchronous</Synchronization>
+    <Type>10006</Type>
+    <SequenceNumber>1003</SequenceNumber>
+    <Url/>
+    <Assembly>Microsoft.Office.DocumentManagement, Version=15.0.0.0, Culture=neutral, PublicKeyToken=71e9bce111e9429c</Assembly>
+    <Class>Microsoft.Office.DocumentManagement.Internal.DocIdHandler</Class>
+    <Data/>
+    <Filter/>
+  </Receiver>
+  <Receiver>
+    <Name>Document ID Generator</Name>
+    <Synchronization>Synchronous</Synchronization>
+    <Type>10001</Type>
+    <SequenceNumber>1000</SequenceNumber>
+    <Url/>
+    <Assembly>Microsoft.Office.DocumentManagement, Version=15.0.0.0, Culture=neutral, PublicKeyToken=71e9bce111e9429c</Assembly>
+    <Class>Microsoft.Office.DocumentManagement.Internal.DocIdHandler</Class>
+    <Data/>
+    <Filter/>
+  </Receiver>
+  <Receiver>
+    <Name>Document ID Generator</Name>
+    <Synchronization>Synchronous</Synchronization>
+    <Type>10002</Type>
+    <SequenceNumber>1001</SequenceNumber>
+    <Url/>
+    <Assembly>Microsoft.Office.DocumentManagement, Version=15.0.0.0, Culture=neutral, PublicKeyToken=71e9bce111e9429c</Assembly>
+    <Class>Microsoft.Office.DocumentManagement.Internal.DocIdHandler</Class>
+    <Data/>
+    <Filter/>
+  </Receiver>
+  <Receiver>
+    <Name>Document ID Generator</Name>
+    <Synchronization>Synchronous</Synchronization>
+    <Type>10004</Type>
+    <SequenceNumber>1002</SequenceNumber>
+    <Url/>
+    <Assembly>Microsoft.Office.DocumentManagement, Version=15.0.0.0, Culture=neutral, PublicKeyToken=71e9bce111e9429c</Assembly>
+    <Class>Microsoft.Office.DocumentManagement.Internal.DocIdHandler</Class>
+    <Data/>
+    <Filter/>
+  </Receiver>
+  <Receiver>
+    <Name>Document ID Generator</Name>
+    <Synchronization>Synchronous</Synchronization>
+    <Type>10006</Type>
+    <SequenceNumber>1003</SequenceNumber>
+    <Url/>
+    <Assembly>Microsoft.Office.DocumentManagement, Version=15.0.0.0, Culture=neutral, PublicKeyToken=71e9bce111e9429c</Assembly>
+    <Class>Microsoft.Office.DocumentManagement.Internal.DocIdHandler</Class>
+    <Data/>
+    <Filter/>
+  </Receiver>
+</spe:Receivers>
 </file>
 
 <file path=customXml/item2.xml><?xml version="1.0" encoding="utf-8"?>
+<p:properties xmlns:p="http://schemas.microsoft.com/office/2006/metadata/properties" xmlns:xsi="http://www.w3.org/2001/XMLSchema-instance" xmlns:pc="http://schemas.microsoft.com/office/infopath/2007/PartnerControls">
+  <documentManagement>
+    <Kategorie xmlns="3ea1445a-e6f2-4b21-90f1-4e4a5aca6572">Vorlagen Präsentationen 16:9</Kategorie>
+    <_dlc_DocId xmlns="bfb11438-62cb-48e0-8e08-adb7b8077717">4ZPPNAQV5EQV-6530471-308</_dlc_DocId>
+    <_dlc_DocIdUrl xmlns="bfb11438-62cb-48e0-8e08-adb7b8077717">
+      <Url>https://mythi.de/_layouts/15/DocIdRedir.aspx?ID=4ZPPNAQV5EQV-6530471-308</Url>
+      <Description>4ZPPNAQV5EQV-6530471-308</Description>
+    </_dlc_DocIdUrl>
+  </documentManagement>
+</p:properties>
+</file>
+
+<file path=customXml/item3.xml><?xml version="1.0" encoding="utf-8"?>
 <ct:contentTypeSchema xmlns:ct="http://schemas.microsoft.com/office/2006/metadata/contentType" xmlns:ma="http://schemas.microsoft.com/office/2006/metadata/properties/metaAttributes" ct:_="" ma:_="" ma:contentTypeName="Dokument" ma:contentTypeID="0x01010078AB19A0A86D2148BE9E8CA48E53677F" ma:contentTypeVersion="2" ma:contentTypeDescription="Ein neues Dokument erstellen." ma:contentTypeScope="" ma:versionID="17f9bc6eb36774ff928d5d49fb767b96">
   <xsd:schema xmlns:xsd="http://www.w3.org/2001/XMLSchema" xmlns:xs="http://www.w3.org/2001/XMLSchema" xmlns:p="http://schemas.microsoft.com/office/2006/metadata/properties" xmlns:ns2="bfb11438-62cb-48e0-8e08-adb7b8077717" xmlns:ns3="3ea1445a-e6f2-4b21-90f1-4e4a5aca6572" xmlns:ns4="bb6f2568-2a10-4a56-89e3-032448edb678" targetNamespace="http://schemas.microsoft.com/office/2006/metadata/properties" ma:root="true" ma:fieldsID="507c0df1d3c7affaea144594e2e26f25" ns2:_="" ns3:_="" ns4:_="">
     <xsd:import namespace="bfb11438-62cb-48e0-8e08-adb7b8077717"/>
@@ -15553,122 +15652,35 @@
 </ct:contentTypeSchema>
 </file>
 
-<file path=customXml/item3.xml><?xml version="1.0" encoding="utf-8"?>
-<p:properties xmlns:p="http://schemas.microsoft.com/office/2006/metadata/properties" xmlns:xsi="http://www.w3.org/2001/XMLSchema-instance" xmlns:pc="http://schemas.microsoft.com/office/infopath/2007/PartnerControls">
-  <documentManagement>
-    <Kategorie xmlns="3ea1445a-e6f2-4b21-90f1-4e4a5aca6572">Vorlagen Präsentationen 16:9</Kategorie>
-    <_dlc_DocId xmlns="bfb11438-62cb-48e0-8e08-adb7b8077717">4ZPPNAQV5EQV-6530471-308</_dlc_DocId>
-    <_dlc_DocIdUrl xmlns="bfb11438-62cb-48e0-8e08-adb7b8077717">
-      <Url>https://mythi.de/_layouts/15/DocIdRedir.aspx?ID=4ZPPNAQV5EQV-6530471-308</Url>
-      <Description>4ZPPNAQV5EQV-6530471-308</Description>
-    </_dlc_DocIdUrl>
-  </documentManagement>
-</p:properties>
-</file>
-
 <file path=customXml/item4.xml><?xml version="1.0" encoding="utf-8"?>
 <?mso-contentType ?>
-<spe:Receivers xmlns:spe="http://schemas.microsoft.com/sharepoint/events">
-  <Receiver>
-    <Name>Document ID Generator</Name>
-    <Synchronization>Synchronous</Synchronization>
-    <Type>10001</Type>
-    <SequenceNumber>1000</SequenceNumber>
-    <Url/>
-    <Assembly>Microsoft.Office.DocumentManagement, Version=15.0.0.0, Culture=neutral, PublicKeyToken=71e9bce111e9429c</Assembly>
-    <Class>Microsoft.Office.DocumentManagement.Internal.DocIdHandler</Class>
-    <Data/>
-    <Filter/>
-  </Receiver>
-  <Receiver>
-    <Name>Document ID Generator</Name>
-    <Synchronization>Synchronous</Synchronization>
-    <Type>10002</Type>
-    <SequenceNumber>1001</SequenceNumber>
-    <Url/>
-    <Assembly>Microsoft.Office.DocumentManagement, Version=15.0.0.0, Culture=neutral, PublicKeyToken=71e9bce111e9429c</Assembly>
-    <Class>Microsoft.Office.DocumentManagement.Internal.DocIdHandler</Class>
-    <Data/>
-    <Filter/>
-  </Receiver>
-  <Receiver>
-    <Name>Document ID Generator</Name>
-    <Synchronization>Synchronous</Synchronization>
-    <Type>10004</Type>
-    <SequenceNumber>1002</SequenceNumber>
-    <Url/>
-    <Assembly>Microsoft.Office.DocumentManagement, Version=15.0.0.0, Culture=neutral, PublicKeyToken=71e9bce111e9429c</Assembly>
-    <Class>Microsoft.Office.DocumentManagement.Internal.DocIdHandler</Class>
-    <Data/>
-    <Filter/>
-  </Receiver>
-  <Receiver>
-    <Name>Document ID Generator</Name>
-    <Synchronization>Synchronous</Synchronization>
-    <Type>10006</Type>
-    <SequenceNumber>1003</SequenceNumber>
-    <Url/>
-    <Assembly>Microsoft.Office.DocumentManagement, Version=15.0.0.0, Culture=neutral, PublicKeyToken=71e9bce111e9429c</Assembly>
-    <Class>Microsoft.Office.DocumentManagement.Internal.DocIdHandler</Class>
-    <Data/>
-    <Filter/>
-  </Receiver>
-  <Receiver>
-    <Name>Document ID Generator</Name>
-    <Synchronization>Synchronous</Synchronization>
-    <Type>10001</Type>
-    <SequenceNumber>1000</SequenceNumber>
-    <Url/>
-    <Assembly>Microsoft.Office.DocumentManagement, Version=15.0.0.0, Culture=neutral, PublicKeyToken=71e9bce111e9429c</Assembly>
-    <Class>Microsoft.Office.DocumentManagement.Internal.DocIdHandler</Class>
-    <Data/>
-    <Filter/>
-  </Receiver>
-  <Receiver>
-    <Name>Document ID Generator</Name>
-    <Synchronization>Synchronous</Synchronization>
-    <Type>10002</Type>
-    <SequenceNumber>1001</SequenceNumber>
-    <Url/>
-    <Assembly>Microsoft.Office.DocumentManagement, Version=15.0.0.0, Culture=neutral, PublicKeyToken=71e9bce111e9429c</Assembly>
-    <Class>Microsoft.Office.DocumentManagement.Internal.DocIdHandler</Class>
-    <Data/>
-    <Filter/>
-  </Receiver>
-  <Receiver>
-    <Name>Document ID Generator</Name>
-    <Synchronization>Synchronous</Synchronization>
-    <Type>10004</Type>
-    <SequenceNumber>1002</SequenceNumber>
-    <Url/>
-    <Assembly>Microsoft.Office.DocumentManagement, Version=15.0.0.0, Culture=neutral, PublicKeyToken=71e9bce111e9429c</Assembly>
-    <Class>Microsoft.Office.DocumentManagement.Internal.DocIdHandler</Class>
-    <Data/>
-    <Filter/>
-  </Receiver>
-  <Receiver>
-    <Name>Document ID Generator</Name>
-    <Synchronization>Synchronous</Synchronization>
-    <Type>10006</Type>
-    <SequenceNumber>1003</SequenceNumber>
-    <Url/>
-    <Assembly>Microsoft.Office.DocumentManagement, Version=15.0.0.0, Culture=neutral, PublicKeyToken=71e9bce111e9429c</Assembly>
-    <Class>Microsoft.Office.DocumentManagement.Internal.DocIdHandler</Class>
-    <Data/>
-    <Filter/>
-  </Receiver>
-</spe:Receivers>
+<FormTemplates xmlns="http://schemas.microsoft.com/sharepoint/v3/contenttype/forms">
+  <Display>DocumentLibraryForm</Display>
+  <Edit>DocumentLibraryForm</Edit>
+  <New>DocumentLibraryForm</New>
+</FormTemplates>
 </file>
 
 <file path=customXml/itemProps1.xml><?xml version="1.0" encoding="utf-8"?>
-<ds:datastoreItem xmlns:ds="http://schemas.openxmlformats.org/officeDocument/2006/customXml" ds:itemID="{ACE7C72F-ED79-494F-A7ED-1F0FF5B91FF5}">
+<ds:datastoreItem xmlns:ds="http://schemas.openxmlformats.org/officeDocument/2006/customXml" ds:itemID="{C90C7402-FDBD-4B5F-A7A1-6AD2340559B8}">
   <ds:schemaRefs>
-    <ds:schemaRef ds:uri="http://schemas.microsoft.com/sharepoint/v3/contenttype/forms"/>
+    <ds:schemaRef ds:uri="http://schemas.microsoft.com/sharepoint/events"/>
   </ds:schemaRefs>
 </ds:datastoreItem>
 </file>
 
 <file path=customXml/itemProps2.xml><?xml version="1.0" encoding="utf-8"?>
+<ds:datastoreItem xmlns:ds="http://schemas.openxmlformats.org/officeDocument/2006/customXml" ds:itemID="{5B5802FD-0FE5-40B9-964E-26CF6C896D54}">
+  <ds:schemaRefs>
+    <ds:schemaRef ds:uri="http://schemas.microsoft.com/office/2006/metadata/properties"/>
+    <ds:schemaRef ds:uri="http://schemas.microsoft.com/office/infopath/2007/PartnerControls"/>
+    <ds:schemaRef ds:uri="3ea1445a-e6f2-4b21-90f1-4e4a5aca6572"/>
+    <ds:schemaRef ds:uri="bfb11438-62cb-48e0-8e08-adb7b8077717"/>
+  </ds:schemaRefs>
+</ds:datastoreItem>
+</file>
+
+<file path=customXml/itemProps3.xml><?xml version="1.0" encoding="utf-8"?>
 <ds:datastoreItem xmlns:ds="http://schemas.openxmlformats.org/officeDocument/2006/customXml" ds:itemID="{1B760DF7-7BF5-42D0-810E-DE2388C74382}">
   <ds:schemaRefs>
     <ds:schemaRef ds:uri="http://schemas.microsoft.com/office/2006/metadata/contentType"/>
@@ -15688,21 +15700,10 @@
 </ds:datastoreItem>
 </file>
 
-<file path=customXml/itemProps3.xml><?xml version="1.0" encoding="utf-8"?>
-<ds:datastoreItem xmlns:ds="http://schemas.openxmlformats.org/officeDocument/2006/customXml" ds:itemID="{5B5802FD-0FE5-40B9-964E-26CF6C896D54}">
+<file path=customXml/itemProps4.xml><?xml version="1.0" encoding="utf-8"?>
+<ds:datastoreItem xmlns:ds="http://schemas.openxmlformats.org/officeDocument/2006/customXml" ds:itemID="{ACE7C72F-ED79-494F-A7ED-1F0FF5B91FF5}">
   <ds:schemaRefs>
-    <ds:schemaRef ds:uri="http://schemas.microsoft.com/office/2006/metadata/properties"/>
-    <ds:schemaRef ds:uri="http://schemas.microsoft.com/office/infopath/2007/PartnerControls"/>
-    <ds:schemaRef ds:uri="3ea1445a-e6f2-4b21-90f1-4e4a5aca6572"/>
-    <ds:schemaRef ds:uri="bfb11438-62cb-48e0-8e08-adb7b8077717"/>
-  </ds:schemaRefs>
-</ds:datastoreItem>
-</file>
-
-<file path=customXml/itemProps4.xml><?xml version="1.0" encoding="utf-8"?>
-<ds:datastoreItem xmlns:ds="http://schemas.openxmlformats.org/officeDocument/2006/customXml" ds:itemID="{C90C7402-FDBD-4B5F-A7A1-6AD2340559B8}">
-  <ds:schemaRefs>
-    <ds:schemaRef ds:uri="http://schemas.microsoft.com/sharepoint/events"/>
+    <ds:schemaRef ds:uri="http://schemas.microsoft.com/sharepoint/v3/contenttype/forms"/>
   </ds:schemaRefs>
 </ds:datastoreItem>
 </file>